--- a/BUG R big data tutorial.pptx
+++ b/BUG R big data tutorial.pptx
@@ -2,45 +2,47 @@
 <file path=ppt/presentation.xml><?xml version="1.0" encoding="utf-8"?>
 <p:presentation xmlns:a="http://schemas.openxmlformats.org/drawingml/2006/main" xmlns:r="http://schemas.openxmlformats.org/officeDocument/2006/relationships" xmlns:mc="http://schemas.openxmlformats.org/markup-compatibility/2006" xmlns:mv="urn:schemas-microsoft-com:mac:vml" xmlns:p="http://schemas.openxmlformats.org/presentationml/2006/main" xmlns:c="http://schemas.openxmlformats.org/drawingml/2006/chart" xmlns:dgm="http://schemas.openxmlformats.org/drawingml/2006/diagram" xmlns:o="urn:schemas-microsoft-com:office:office" xmlns:v="urn:schemas-microsoft-com:vml" xmlns:pvml="urn:schemas-microsoft-com:office:powerpoint" xmlns:com="http://schemas.openxmlformats.org/drawingml/2006/compatibility" xmlns:p14="http://schemas.microsoft.com/office/powerpoint/2010/main" xmlns:p15="http://schemas.microsoft.com/office/powerpoint/2012/main" autoCompressPictures="0" embedTrueTypeFonts="1" strictFirstAndLastChars="0" saveSubsetFonts="1">
   <p:sldMasterIdLst>
-    <p:sldMasterId id="2147483659" r:id="rId4"/>
+    <p:sldMasterId id="2147483659" r:id="rId5"/>
   </p:sldMasterIdLst>
   <p:notesMasterIdLst>
-    <p:notesMasterId r:id="rId5"/>
+    <p:notesMasterId r:id="rId6"/>
   </p:notesMasterIdLst>
   <p:sldIdLst>
-    <p:sldId id="256" r:id="rId6"/>
-    <p:sldId id="257" r:id="rId7"/>
-    <p:sldId id="258" r:id="rId8"/>
-    <p:sldId id="259" r:id="rId9"/>
-    <p:sldId id="260" r:id="rId10"/>
-    <p:sldId id="261" r:id="rId11"/>
-    <p:sldId id="262" r:id="rId12"/>
-    <p:sldId id="263" r:id="rId13"/>
-    <p:sldId id="264" r:id="rId14"/>
-    <p:sldId id="265" r:id="rId15"/>
-    <p:sldId id="266" r:id="rId16"/>
-    <p:sldId id="267" r:id="rId17"/>
-    <p:sldId id="268" r:id="rId18"/>
-    <p:sldId id="269" r:id="rId19"/>
-    <p:sldId id="270" r:id="rId20"/>
-    <p:sldId id="271" r:id="rId21"/>
+    <p:sldId id="256" r:id="rId7"/>
+    <p:sldId id="257" r:id="rId8"/>
+    <p:sldId id="258" r:id="rId9"/>
+    <p:sldId id="259" r:id="rId10"/>
+    <p:sldId id="260" r:id="rId11"/>
+    <p:sldId id="261" r:id="rId12"/>
+    <p:sldId id="262" r:id="rId13"/>
+    <p:sldId id="263" r:id="rId14"/>
+    <p:sldId id="264" r:id="rId15"/>
+    <p:sldId id="265" r:id="rId16"/>
+    <p:sldId id="266" r:id="rId17"/>
+    <p:sldId id="267" r:id="rId18"/>
+    <p:sldId id="268" r:id="rId19"/>
+    <p:sldId id="269" r:id="rId20"/>
+    <p:sldId id="270" r:id="rId21"/>
+    <p:sldId id="271" r:id="rId22"/>
+    <p:sldId id="272" r:id="rId23"/>
+    <p:sldId id="273" r:id="rId24"/>
   </p:sldIdLst>
   <p:sldSz cy="5143500" cx="9144000"/>
   <p:notesSz cx="6858000" cy="9144000"/>
   <p:embeddedFontLst>
     <p:embeddedFont>
       <p:font typeface="Raleway"/>
-      <p:regular r:id="rId22"/>
-      <p:bold r:id="rId23"/>
-      <p:italic r:id="rId24"/>
-      <p:boldItalic r:id="rId25"/>
+      <p:regular r:id="rId25"/>
+      <p:bold r:id="rId26"/>
+      <p:italic r:id="rId27"/>
+      <p:boldItalic r:id="rId28"/>
     </p:embeddedFont>
     <p:embeddedFont>
       <p:font typeface="Lato"/>
-      <p:regular r:id="rId26"/>
-      <p:bold r:id="rId27"/>
-      <p:italic r:id="rId28"/>
-      <p:boldItalic r:id="rId29"/>
+      <p:regular r:id="rId29"/>
+      <p:bold r:id="rId30"/>
+      <p:italic r:id="rId31"/>
+      <p:boldItalic r:id="rId32"/>
     </p:embeddedFont>
   </p:embeddedFontLst>
   <p:defaultTextStyle>
@@ -1330,7 +1332,7 @@
       </p:grpSpPr>
       <p:sp>
         <p:nvSpPr>
-          <p:cNvPr id="169" name="Google Shape;169;g62e5cb1aca_0_11:notes"/>
+          <p:cNvPr id="169" name="Google Shape;169;g478b84f8fb_0_0:notes"/>
           <p:cNvSpPr/>
           <p:nvPr>
             <p:ph idx="2" type="sldImg"/>
@@ -1365,7 +1367,7 @@
       </p:sp>
       <p:sp>
         <p:nvSpPr>
-          <p:cNvPr id="170" name="Google Shape;170;g62e5cb1aca_0_11:notes"/>
+          <p:cNvPr id="170" name="Google Shape;170;g478b84f8fb_0_0:notes"/>
           <p:cNvSpPr txBox="1"/>
           <p:nvPr>
             <p:ph idx="1" type="body"/>
@@ -1429,7 +1431,7 @@
       </p:grpSpPr>
       <p:sp>
         <p:nvSpPr>
-          <p:cNvPr id="175" name="Google Shape;175;g62e5cb1aca_0_16:notes"/>
+          <p:cNvPr id="175" name="Google Shape;175;g478b84f8fb_0_6:notes"/>
           <p:cNvSpPr/>
           <p:nvPr>
             <p:ph idx="2" type="sldImg"/>
@@ -1464,7 +1466,205 @@
       </p:sp>
       <p:sp>
         <p:nvSpPr>
-          <p:cNvPr id="176" name="Google Shape;176;g62e5cb1aca_0_16:notes"/>
+          <p:cNvPr id="176" name="Google Shape;176;g478b84f8fb_0_6:notes"/>
+          <p:cNvSpPr txBox="1"/>
+          <p:nvPr>
+            <p:ph idx="1" type="body"/>
+          </p:nvPr>
+        </p:nvSpPr>
+        <p:spPr>
+          <a:xfrm>
+            <a:off x="685800" y="4343400"/>
+            <a:ext cx="5486400" cy="4114800"/>
+          </a:xfrm>
+          <a:prstGeom prst="rect">
+            <a:avLst/>
+          </a:prstGeom>
+        </p:spPr>
+        <p:txBody>
+          <a:bodyPr anchorCtr="0" anchor="t" bIns="91425" lIns="91425" spcFirstLastPara="1" rIns="91425" wrap="square" tIns="91425">
+            <a:noAutofit/>
+          </a:bodyPr>
+          <a:lstStyle/>
+          <a:p>
+            <a:pPr indent="0" lvl="0" marL="0" rtl="0" algn="l">
+              <a:spcBef>
+                <a:spcPts val="0"/>
+              </a:spcBef>
+              <a:spcAft>
+                <a:spcPts val="0"/>
+              </a:spcAft>
+              <a:buNone/>
+            </a:pPr>
+            <a:r>
+              <a:t/>
+            </a:r>
+            <a:endParaRPr/>
+          </a:p>
+        </p:txBody>
+      </p:sp>
+    </p:spTree>
+  </p:cSld>
+  <p:clrMapOvr>
+    <a:masterClrMapping/>
+  </p:clrMapOvr>
+</p:notes>
+</file>
+
+<file path=ppt/notesSlides/notesSlide17.xml><?xml version="1.0" encoding="utf-8"?>
+<p:notes xmlns:a="http://schemas.openxmlformats.org/drawingml/2006/main" xmlns:r="http://schemas.openxmlformats.org/officeDocument/2006/relationships" xmlns:mc="http://schemas.openxmlformats.org/markup-compatibility/2006" xmlns:mv="urn:schemas-microsoft-com:mac:vml" xmlns:p="http://schemas.openxmlformats.org/presentationml/2006/main" xmlns:c="http://schemas.openxmlformats.org/drawingml/2006/chart" xmlns:dgm="http://schemas.openxmlformats.org/drawingml/2006/diagram" xmlns:o="urn:schemas-microsoft-com:office:office" xmlns:v="urn:schemas-microsoft-com:vml" xmlns:pvml="urn:schemas-microsoft-com:office:powerpoint" xmlns:com="http://schemas.openxmlformats.org/drawingml/2006/compatibility" xmlns:p14="http://schemas.microsoft.com/office/powerpoint/2010/main" xmlns:p15="http://schemas.microsoft.com/office/powerpoint/2012/main" showMasterPhAnim="0" showMasterSp="0">
+  <p:cSld>
+    <p:spTree>
+      <p:nvGrpSpPr>
+        <p:cNvPr id="182" name="Shape 182"/>
+        <p:cNvGrpSpPr/>
+        <p:nvPr/>
+      </p:nvGrpSpPr>
+      <p:grpSpPr>
+        <a:xfrm>
+          <a:off x="0" y="0"/>
+          <a:ext cx="0" cy="0"/>
+          <a:chOff x="0" y="0"/>
+          <a:chExt cx="0" cy="0"/>
+        </a:xfrm>
+      </p:grpSpPr>
+      <p:sp>
+        <p:nvSpPr>
+          <p:cNvPr id="183" name="Google Shape;183;g62e5cb1aca_0_11:notes"/>
+          <p:cNvSpPr/>
+          <p:nvPr>
+            <p:ph idx="2" type="sldImg"/>
+          </p:nvPr>
+        </p:nvSpPr>
+        <p:spPr>
+          <a:xfrm>
+            <a:off x="381300" y="685800"/>
+            <a:ext cx="6096000" cy="3429000"/>
+          </a:xfrm>
+          <a:custGeom>
+            <a:rect b="b" l="l" r="r" t="t"/>
+            <a:pathLst>
+              <a:path extrusionOk="0" h="120000" w="120000">
+                <a:moveTo>
+                  <a:pt x="0" y="0"/>
+                </a:moveTo>
+                <a:lnTo>
+                  <a:pt x="120000" y="0"/>
+                </a:lnTo>
+                <a:lnTo>
+                  <a:pt x="120000" y="120000"/>
+                </a:lnTo>
+                <a:lnTo>
+                  <a:pt x="0" y="120000"/>
+                </a:lnTo>
+                <a:close/>
+              </a:path>
+            </a:pathLst>
+          </a:custGeom>
+        </p:spPr>
+      </p:sp>
+      <p:sp>
+        <p:nvSpPr>
+          <p:cNvPr id="184" name="Google Shape;184;g62e5cb1aca_0_11:notes"/>
+          <p:cNvSpPr txBox="1"/>
+          <p:nvPr>
+            <p:ph idx="1" type="body"/>
+          </p:nvPr>
+        </p:nvSpPr>
+        <p:spPr>
+          <a:xfrm>
+            <a:off x="685800" y="4343400"/>
+            <a:ext cx="5486400" cy="4114800"/>
+          </a:xfrm>
+          <a:prstGeom prst="rect">
+            <a:avLst/>
+          </a:prstGeom>
+        </p:spPr>
+        <p:txBody>
+          <a:bodyPr anchorCtr="0" anchor="t" bIns="91425" lIns="91425" spcFirstLastPara="1" rIns="91425" wrap="square" tIns="91425">
+            <a:noAutofit/>
+          </a:bodyPr>
+          <a:lstStyle/>
+          <a:p>
+            <a:pPr indent="0" lvl="0" marL="0" rtl="0" algn="l">
+              <a:spcBef>
+                <a:spcPts val="0"/>
+              </a:spcBef>
+              <a:spcAft>
+                <a:spcPts val="0"/>
+              </a:spcAft>
+              <a:buNone/>
+            </a:pPr>
+            <a:r>
+              <a:t/>
+            </a:r>
+            <a:endParaRPr/>
+          </a:p>
+        </p:txBody>
+      </p:sp>
+    </p:spTree>
+  </p:cSld>
+  <p:clrMapOvr>
+    <a:masterClrMapping/>
+  </p:clrMapOvr>
+</p:notes>
+</file>
+
+<file path=ppt/notesSlides/notesSlide18.xml><?xml version="1.0" encoding="utf-8"?>
+<p:notes xmlns:a="http://schemas.openxmlformats.org/drawingml/2006/main" xmlns:r="http://schemas.openxmlformats.org/officeDocument/2006/relationships" xmlns:mc="http://schemas.openxmlformats.org/markup-compatibility/2006" xmlns:mv="urn:schemas-microsoft-com:mac:vml" xmlns:p="http://schemas.openxmlformats.org/presentationml/2006/main" xmlns:c="http://schemas.openxmlformats.org/drawingml/2006/chart" xmlns:dgm="http://schemas.openxmlformats.org/drawingml/2006/diagram" xmlns:o="urn:schemas-microsoft-com:office:office" xmlns:v="urn:schemas-microsoft-com:vml" xmlns:pvml="urn:schemas-microsoft-com:office:powerpoint" xmlns:com="http://schemas.openxmlformats.org/drawingml/2006/compatibility" xmlns:p14="http://schemas.microsoft.com/office/powerpoint/2010/main" xmlns:p15="http://schemas.microsoft.com/office/powerpoint/2012/main" showMasterPhAnim="0" showMasterSp="0">
+  <p:cSld>
+    <p:spTree>
+      <p:nvGrpSpPr>
+        <p:cNvPr id="188" name="Shape 188"/>
+        <p:cNvGrpSpPr/>
+        <p:nvPr/>
+      </p:nvGrpSpPr>
+      <p:grpSpPr>
+        <a:xfrm>
+          <a:off x="0" y="0"/>
+          <a:ext cx="0" cy="0"/>
+          <a:chOff x="0" y="0"/>
+          <a:chExt cx="0" cy="0"/>
+        </a:xfrm>
+      </p:grpSpPr>
+      <p:sp>
+        <p:nvSpPr>
+          <p:cNvPr id="189" name="Google Shape;189;g62e5cb1aca_0_16:notes"/>
+          <p:cNvSpPr/>
+          <p:nvPr>
+            <p:ph idx="2" type="sldImg"/>
+          </p:nvPr>
+        </p:nvSpPr>
+        <p:spPr>
+          <a:xfrm>
+            <a:off x="381300" y="685800"/>
+            <a:ext cx="6096000" cy="3429000"/>
+          </a:xfrm>
+          <a:custGeom>
+            <a:rect b="b" l="l" r="r" t="t"/>
+            <a:pathLst>
+              <a:path extrusionOk="0" h="120000" w="120000">
+                <a:moveTo>
+                  <a:pt x="0" y="0"/>
+                </a:moveTo>
+                <a:lnTo>
+                  <a:pt x="120000" y="0"/>
+                </a:lnTo>
+                <a:lnTo>
+                  <a:pt x="120000" y="120000"/>
+                </a:lnTo>
+                <a:lnTo>
+                  <a:pt x="0" y="120000"/>
+                </a:lnTo>
+                <a:close/>
+              </a:path>
+            </a:pathLst>
+          </a:custGeom>
+        </p:spPr>
+      </p:sp>
+      <p:sp>
+        <p:nvSpPr>
+          <p:cNvPr id="190" name="Google Shape;190;g62e5cb1aca_0_16:notes"/>
           <p:cNvSpPr txBox="1"/>
           <p:nvPr>
             <p:ph idx="1" type="body"/>
@@ -9249,7 +9449,7 @@
             </a:pPr>
             <a:r>
               <a:rPr lang="en"/>
-              <a:t>The biggest single advantage of R is the diversity of packages people have written for it</a:t>
+              <a:t>The (likely) biggest single advantage of R is the diversity of packages people have written for it</a:t>
             </a:r>
             <a:endParaRPr/>
           </a:p>
@@ -9352,6 +9552,23 @@
             <a:r>
               <a:rPr lang="en"/>
               <a:t>Developed by Luis Miguel Rodriguez of the Konstantinidis lab.</a:t>
+            </a:r>
+            <a:endParaRPr/>
+          </a:p>
+          <a:p>
+            <a:pPr indent="-311150" lvl="0" marL="457200" rtl="0" algn="l">
+              <a:spcBef>
+                <a:spcPts val="0"/>
+              </a:spcBef>
+              <a:spcAft>
+                <a:spcPts val="0"/>
+              </a:spcAft>
+              <a:buSzPts val="1300"/>
+              <a:buChar char="●"/>
+            </a:pPr>
+            <a:r>
+              <a:rPr lang="en"/>
+              <a:t>Spending a day finding and learning how to use an existing package will often save weeks of trying to code your own solution</a:t>
             </a:r>
             <a:endParaRPr/>
           </a:p>
@@ -9496,6 +9713,23 @@
             <a:endParaRPr/>
           </a:p>
           <a:p>
+            <a:pPr indent="-298450" lvl="3" marL="1828800" rtl="0" algn="l">
+              <a:spcBef>
+                <a:spcPts val="0"/>
+              </a:spcBef>
+              <a:spcAft>
+                <a:spcPts val="0"/>
+              </a:spcAft>
+              <a:buSzPts val="1100"/>
+              <a:buChar char="●"/>
+            </a:pPr>
+            <a:r>
+              <a:rPr lang="en"/>
+              <a:t>Maybe we can take a dive on a few sequence-processing packages another day</a:t>
+            </a:r>
+            <a:endParaRPr/>
+          </a:p>
+          <a:p>
             <a:pPr indent="-311150" lvl="0" marL="457200" rtl="0" algn="l">
               <a:spcBef>
                 <a:spcPts val="0"/>
@@ -9560,6 +9794,74 @@
             <a:r>
               <a:rPr lang="en"/>
               <a:t>Everything complicated is created from a large collection of simple components</a:t>
+            </a:r>
+            <a:endParaRPr/>
+          </a:p>
+          <a:p>
+            <a:pPr indent="-311150" lvl="0" marL="457200" rtl="0" algn="l">
+              <a:spcBef>
+                <a:spcPts val="0"/>
+              </a:spcBef>
+              <a:spcAft>
+                <a:spcPts val="0"/>
+              </a:spcAft>
+              <a:buSzPts val="1300"/>
+              <a:buChar char="●"/>
+            </a:pPr>
+            <a:r>
+              <a:rPr lang="en"/>
+              <a:t>Key packages:</a:t>
+            </a:r>
+            <a:endParaRPr/>
+          </a:p>
+          <a:p>
+            <a:pPr indent="-298450" lvl="1" marL="914400" rtl="0" algn="l">
+              <a:spcBef>
+                <a:spcPts val="0"/>
+              </a:spcBef>
+              <a:spcAft>
+                <a:spcPts val="0"/>
+              </a:spcAft>
+              <a:buSzPts val="1100"/>
+              <a:buChar char="○"/>
+            </a:pPr>
+            <a:r>
+              <a:rPr lang="en"/>
+              <a:t>data.table</a:t>
+            </a:r>
+            <a:endParaRPr/>
+          </a:p>
+          <a:p>
+            <a:pPr indent="-298450" lvl="1" marL="914400" rtl="0" algn="l">
+              <a:spcBef>
+                <a:spcPts val="0"/>
+              </a:spcBef>
+              <a:spcAft>
+                <a:spcPts val="0"/>
+              </a:spcAft>
+              <a:buSzPts val="1100"/>
+              <a:buChar char="○"/>
+            </a:pPr>
+            <a:r>
+              <a:rPr lang="en"/>
+              <a:t>tidyverse collection</a:t>
+            </a:r>
+            <a:endParaRPr/>
+          </a:p>
+          <a:p>
+            <a:pPr indent="-298450" lvl="1" marL="914400" rtl="0" algn="l">
+              <a:spcBef>
+                <a:spcPts val="0"/>
+              </a:spcBef>
+              <a:spcAft>
+                <a:spcPts val="0"/>
+              </a:spcAft>
+              <a:buSzPts val="1100"/>
+              <a:buChar char="○"/>
+            </a:pPr>
+            <a:r>
+              <a:rPr lang="en"/>
+              <a:t>bioconductor collection</a:t>
             </a:r>
             <a:endParaRPr/>
           </a:p>
@@ -9991,7 +10293,7 @@
             </a:pPr>
             <a:r>
               <a:rPr lang="en"/>
-              <a:t>Visualization</a:t>
+              <a:t>Basic Data Design</a:t>
             </a:r>
             <a:endParaRPr/>
           </a:p>
@@ -10008,7 +10310,7 @@
         <p:spPr>
           <a:xfrm>
             <a:off x="729450" y="2078875"/>
-            <a:ext cx="7688700" cy="2887800"/>
+            <a:ext cx="7688700" cy="2261100"/>
           </a:xfrm>
           <a:prstGeom prst="rect">
             <a:avLst/>
@@ -10032,7 +10334,7 @@
             </a:pPr>
             <a:r>
               <a:rPr lang="en"/>
-              <a:t>If you can’t communicate what you did, does it matter?</a:t>
+              <a:t>The most general data format for a wide range of applications is the flat file</a:t>
             </a:r>
             <a:endParaRPr/>
           </a:p>
@@ -10049,7 +10351,7 @@
             </a:pPr>
             <a:r>
               <a:rPr lang="en"/>
-              <a:t>The answer is no.</a:t>
+              <a:t>A single table of data with rows and columns (and possibly layers)</a:t>
             </a:r>
             <a:endParaRPr/>
           </a:p>
@@ -10066,7 +10368,7 @@
             </a:pPr>
             <a:r>
               <a:rPr lang="en"/>
-              <a:t>And the more complicated what you’re doing is...</a:t>
+              <a:t>Separated by line and at least one delimiter</a:t>
             </a:r>
             <a:endParaRPr/>
           </a:p>
@@ -10082,8 +10384,12 @@
               <a:buChar char="●"/>
             </a:pPr>
             <a:r>
-              <a:rPr lang="en"/>
-              <a:t>Most of communication happens through summary</a:t>
+              <a:rPr i="1" lang="en"/>
+              <a:t>Most</a:t>
+            </a:r>
+            <a:r>
+              <a:rPr lang="en"/>
+              <a:t> of the time, you will be working on data frames or matrices in R</a:t>
             </a:r>
             <a:endParaRPr/>
           </a:p>
@@ -10100,7 +10406,24 @@
             </a:pPr>
             <a:r>
               <a:rPr lang="en"/>
-              <a:t>People have short attention spans</a:t>
+              <a:t>These are flat files in most cases</a:t>
+            </a:r>
+            <a:endParaRPr/>
+          </a:p>
+          <a:p>
+            <a:pPr indent="-298450" lvl="1" marL="914400" rtl="0" algn="l">
+              <a:spcBef>
+                <a:spcPts val="0"/>
+              </a:spcBef>
+              <a:spcAft>
+                <a:spcPts val="0"/>
+              </a:spcAft>
+              <a:buSzPts val="1100"/>
+              <a:buChar char="○"/>
+            </a:pPr>
+            <a:r>
+              <a:rPr lang="en"/>
+              <a:t>Often they are not in genomic applications</a:t>
             </a:r>
             <a:endParaRPr/>
           </a:p>
@@ -10117,7 +10440,24 @@
             </a:pPr>
             <a:r>
               <a:rPr lang="en"/>
-              <a:t>And limited time</a:t>
+              <a:t>but there are packages for reading most such formats into data frames</a:t>
+            </a:r>
+            <a:endParaRPr/>
+          </a:p>
+          <a:p>
+            <a:pPr indent="-311150" lvl="0" marL="457200" rtl="0" algn="l">
+              <a:spcBef>
+                <a:spcPts val="0"/>
+              </a:spcBef>
+              <a:spcAft>
+                <a:spcPts val="0"/>
+              </a:spcAft>
+              <a:buSzPts val="1300"/>
+              <a:buChar char="●"/>
+            </a:pPr>
+            <a:r>
+              <a:rPr lang="en"/>
+              <a:t>Not all flat files are created equal</a:t>
             </a:r>
             <a:endParaRPr/>
           </a:p>
@@ -10134,28 +10474,7 @@
             </a:pPr>
             <a:r>
               <a:rPr lang="en"/>
-              <a:t> They also </a:t>
-            </a:r>
-            <a:r>
-              <a:rPr lang="en"/>
-              <a:t>don’t know the things that you know</a:t>
-            </a:r>
-            <a:endParaRPr/>
-          </a:p>
-          <a:p>
-            <a:pPr indent="-311150" lvl="0" marL="457200" rtl="0" algn="l">
-              <a:spcBef>
-                <a:spcPts val="0"/>
-              </a:spcBef>
-              <a:spcAft>
-                <a:spcPts val="0"/>
-              </a:spcAft>
-              <a:buSzPts val="1300"/>
-              <a:buChar char="●"/>
-            </a:pPr>
-            <a:r>
-              <a:rPr lang="en"/>
-              <a:t>Visual communication is generally more powerful than written communication</a:t>
+              <a:t>Format stringency</a:t>
             </a:r>
             <a:endParaRPr/>
           </a:p>
@@ -10172,24 +10491,41 @@
             </a:pPr>
             <a:r>
               <a:rPr lang="en"/>
-              <a:t>Figures are frequently the highlights of papers</a:t>
-            </a:r>
-            <a:endParaRPr/>
-          </a:p>
-          <a:p>
-            <a:pPr indent="-311150" lvl="0" marL="457200" rtl="0" algn="l">
-              <a:spcBef>
-                <a:spcPts val="0"/>
-              </a:spcBef>
-              <a:spcAft>
-                <a:spcPts val="0"/>
-              </a:spcAft>
-              <a:buSzPts val="1300"/>
-              <a:buChar char="●"/>
-            </a:pPr>
-            <a:r>
-              <a:rPr lang="en"/>
-              <a:t>Nowhere is data design more important than in visualization</a:t>
+              <a:t>Delimiter choice</a:t>
+            </a:r>
+            <a:endParaRPr/>
+          </a:p>
+          <a:p>
+            <a:pPr indent="-298450" lvl="1" marL="914400" rtl="0" algn="l">
+              <a:spcBef>
+                <a:spcPts val="0"/>
+              </a:spcBef>
+              <a:spcAft>
+                <a:spcPts val="0"/>
+              </a:spcAft>
+              <a:buSzPts val="1100"/>
+              <a:buChar char="○"/>
+            </a:pPr>
+            <a:r>
+              <a:rPr lang="en"/>
+              <a:t>Suitability to purpose</a:t>
+            </a:r>
+            <a:endParaRPr/>
+          </a:p>
+          <a:p>
+            <a:pPr indent="-298450" lvl="2" marL="1371600" rtl="0" algn="l">
+              <a:spcBef>
+                <a:spcPts val="0"/>
+              </a:spcBef>
+              <a:spcAft>
+                <a:spcPts val="0"/>
+              </a:spcAft>
+              <a:buSzPts val="1100"/>
+              <a:buChar char="■"/>
+            </a:pPr>
+            <a:r>
+              <a:rPr lang="en"/>
+              <a:t>Long vs. wide</a:t>
             </a:r>
             <a:endParaRPr/>
           </a:p>
@@ -10231,6 +10567,1846 @@
         <p:spPr>
           <a:xfrm>
             <a:off x="729450" y="1318650"/>
+            <a:ext cx="7887900" cy="535200"/>
+          </a:xfrm>
+          <a:prstGeom prst="rect">
+            <a:avLst/>
+          </a:prstGeom>
+        </p:spPr>
+        <p:txBody>
+          <a:bodyPr anchorCtr="0" anchor="t" bIns="91425" lIns="91425" spcFirstLastPara="1" rIns="91425" wrap="square" tIns="91425">
+            <a:noAutofit/>
+          </a:bodyPr>
+          <a:lstStyle/>
+          <a:p>
+            <a:pPr indent="0" lvl="0" marL="457200" rtl="0" algn="l">
+              <a:spcBef>
+                <a:spcPts val="0"/>
+              </a:spcBef>
+              <a:spcAft>
+                <a:spcPts val="0"/>
+              </a:spcAft>
+              <a:buNone/>
+            </a:pPr>
+            <a:r>
+              <a:rPr lang="en"/>
+              <a:t>       Wide			    VS			    Long</a:t>
+            </a:r>
+            <a:endParaRPr/>
+          </a:p>
+        </p:txBody>
+      </p:sp>
+      <p:graphicFrame>
+        <p:nvGraphicFramePr>
+          <p:cNvPr id="179" name="Google Shape;179;p28"/>
+          <p:cNvGraphicFramePr/>
+          <p:nvPr/>
+        </p:nvGraphicFramePr>
+        <p:xfrm>
+          <a:off x="148900" y="1950725"/>
+          <a:ext cx="3000000" cy="3000000"/>
+        </p:xfrm>
+        <a:graphic>
+          <a:graphicData uri="http://schemas.openxmlformats.org/drawingml/2006/table">
+            <a:tbl>
+              <a:tblPr>
+                <a:noFill/>
+                <a:tableStyleId>{DD3F6187-CC3A-487A-AD77-DA6A182CD7B4}</a:tableStyleId>
+              </a:tblPr>
+              <a:tblGrid>
+                <a:gridCol w="1071275"/>
+                <a:gridCol w="1071275"/>
+                <a:gridCol w="1071275"/>
+                <a:gridCol w="1071275"/>
+              </a:tblGrid>
+              <a:tr h="381000">
+                <a:tc>
+                  <a:txBody>
+                    <a:bodyPr/>
+                    <a:lstStyle/>
+                    <a:p>
+                      <a:pPr indent="0" lvl="0" marL="0" rtl="0" algn="l">
+                        <a:spcBef>
+                          <a:spcPts val="0"/>
+                        </a:spcBef>
+                        <a:spcAft>
+                          <a:spcPts val="0"/>
+                        </a:spcAft>
+                        <a:buNone/>
+                      </a:pPr>
+                      <a:r>
+                        <a:rPr lang="en"/>
+                        <a:t>Name</a:t>
+                      </a:r>
+                      <a:endParaRPr/>
+                    </a:p>
+                  </a:txBody>
+                  <a:tcPr marT="91425" marB="91425" marR="91425" marL="91425"/>
+                </a:tc>
+                <a:tc>
+                  <a:txBody>
+                    <a:bodyPr/>
+                    <a:lstStyle/>
+                    <a:p>
+                      <a:pPr indent="0" lvl="0" marL="0" rtl="0" algn="l">
+                        <a:spcBef>
+                          <a:spcPts val="0"/>
+                        </a:spcBef>
+                        <a:spcAft>
+                          <a:spcPts val="0"/>
+                        </a:spcAft>
+                        <a:buNone/>
+                      </a:pPr>
+                      <a:r>
+                        <a:rPr lang="en"/>
+                        <a:t>Height</a:t>
+                      </a:r>
+                      <a:endParaRPr/>
+                    </a:p>
+                  </a:txBody>
+                  <a:tcPr marT="91425" marB="91425" marR="91425" marL="91425"/>
+                </a:tc>
+                <a:tc>
+                  <a:txBody>
+                    <a:bodyPr/>
+                    <a:lstStyle/>
+                    <a:p>
+                      <a:pPr indent="0" lvl="0" marL="0" rtl="0" algn="l">
+                        <a:spcBef>
+                          <a:spcPts val="0"/>
+                        </a:spcBef>
+                        <a:spcAft>
+                          <a:spcPts val="0"/>
+                        </a:spcAft>
+                        <a:buNone/>
+                      </a:pPr>
+                      <a:r>
+                        <a:rPr lang="en"/>
+                        <a:t>Weight</a:t>
+                      </a:r>
+                      <a:endParaRPr/>
+                    </a:p>
+                  </a:txBody>
+                  <a:tcPr marT="91425" marB="91425" marR="91425" marL="91425"/>
+                </a:tc>
+                <a:tc>
+                  <a:txBody>
+                    <a:bodyPr/>
+                    <a:lstStyle/>
+                    <a:p>
+                      <a:pPr indent="0" lvl="0" marL="0" rtl="0" algn="l">
+                        <a:spcBef>
+                          <a:spcPts val="0"/>
+                        </a:spcBef>
+                        <a:spcAft>
+                          <a:spcPts val="0"/>
+                        </a:spcAft>
+                        <a:buNone/>
+                      </a:pPr>
+                      <a:r>
+                        <a:rPr lang="en"/>
+                        <a:t>Shoe Sz.</a:t>
+                      </a:r>
+                      <a:endParaRPr/>
+                    </a:p>
+                  </a:txBody>
+                  <a:tcPr marT="91425" marB="91425" marR="91425" marL="91425"/>
+                </a:tc>
+              </a:tr>
+              <a:tr h="396200">
+                <a:tc>
+                  <a:txBody>
+                    <a:bodyPr/>
+                    <a:lstStyle/>
+                    <a:p>
+                      <a:pPr indent="0" lvl="0" marL="0" rtl="0" algn="l">
+                        <a:spcBef>
+                          <a:spcPts val="0"/>
+                        </a:spcBef>
+                        <a:spcAft>
+                          <a:spcPts val="0"/>
+                        </a:spcAft>
+                        <a:buNone/>
+                      </a:pPr>
+                      <a:r>
+                        <a:rPr lang="en"/>
+                        <a:t>Ron</a:t>
+                      </a:r>
+                      <a:endParaRPr/>
+                    </a:p>
+                  </a:txBody>
+                  <a:tcPr marT="91425" marB="91425" marR="91425" marL="91425"/>
+                </a:tc>
+                <a:tc>
+                  <a:txBody>
+                    <a:bodyPr/>
+                    <a:lstStyle/>
+                    <a:p>
+                      <a:pPr indent="0" lvl="0" marL="0" rtl="0" algn="l">
+                        <a:spcBef>
+                          <a:spcPts val="0"/>
+                        </a:spcBef>
+                        <a:spcAft>
+                          <a:spcPts val="0"/>
+                        </a:spcAft>
+                        <a:buNone/>
+                      </a:pPr>
+                      <a:r>
+                        <a:rPr lang="en"/>
+                        <a:t>68</a:t>
+                      </a:r>
+                      <a:endParaRPr/>
+                    </a:p>
+                  </a:txBody>
+                  <a:tcPr marT="91425" marB="91425" marR="91425" marL="91425"/>
+                </a:tc>
+                <a:tc>
+                  <a:txBody>
+                    <a:bodyPr/>
+                    <a:lstStyle/>
+                    <a:p>
+                      <a:pPr indent="0" lvl="0" marL="0" rtl="0" algn="l">
+                        <a:spcBef>
+                          <a:spcPts val="0"/>
+                        </a:spcBef>
+                        <a:spcAft>
+                          <a:spcPts val="0"/>
+                        </a:spcAft>
+                        <a:buNone/>
+                      </a:pPr>
+                      <a:r>
+                        <a:rPr lang="en"/>
+                        <a:t>150</a:t>
+                      </a:r>
+                      <a:endParaRPr/>
+                    </a:p>
+                  </a:txBody>
+                  <a:tcPr marT="91425" marB="91425" marR="91425" marL="91425"/>
+                </a:tc>
+                <a:tc>
+                  <a:txBody>
+                    <a:bodyPr/>
+                    <a:lstStyle/>
+                    <a:p>
+                      <a:pPr indent="0" lvl="0" marL="0" rtl="0" algn="l">
+                        <a:spcBef>
+                          <a:spcPts val="0"/>
+                        </a:spcBef>
+                        <a:spcAft>
+                          <a:spcPts val="0"/>
+                        </a:spcAft>
+                        <a:buNone/>
+                      </a:pPr>
+                      <a:r>
+                        <a:rPr lang="en"/>
+                        <a:t>9</a:t>
+                      </a:r>
+                      <a:endParaRPr/>
+                    </a:p>
+                  </a:txBody>
+                  <a:tcPr marT="91425" marB="91425" marR="91425" marL="91425"/>
+                </a:tc>
+              </a:tr>
+              <a:tr h="381000">
+                <a:tc>
+                  <a:txBody>
+                    <a:bodyPr/>
+                    <a:lstStyle/>
+                    <a:p>
+                      <a:pPr indent="0" lvl="0" marL="0" rtl="0" algn="l">
+                        <a:spcBef>
+                          <a:spcPts val="0"/>
+                        </a:spcBef>
+                        <a:spcAft>
+                          <a:spcPts val="0"/>
+                        </a:spcAft>
+                        <a:buNone/>
+                      </a:pPr>
+                      <a:r>
+                        <a:rPr lang="en"/>
+                        <a:t>Kyle</a:t>
+                      </a:r>
+                      <a:endParaRPr/>
+                    </a:p>
+                  </a:txBody>
+                  <a:tcPr marT="91425" marB="91425" marR="91425" marL="91425"/>
+                </a:tc>
+                <a:tc>
+                  <a:txBody>
+                    <a:bodyPr/>
+                    <a:lstStyle/>
+                    <a:p>
+                      <a:pPr indent="0" lvl="0" marL="0" rtl="0" algn="l">
+                        <a:spcBef>
+                          <a:spcPts val="0"/>
+                        </a:spcBef>
+                        <a:spcAft>
+                          <a:spcPts val="0"/>
+                        </a:spcAft>
+                        <a:buNone/>
+                      </a:pPr>
+                      <a:r>
+                        <a:rPr lang="en"/>
+                        <a:t>74</a:t>
+                      </a:r>
+                      <a:endParaRPr/>
+                    </a:p>
+                  </a:txBody>
+                  <a:tcPr marT="91425" marB="91425" marR="91425" marL="91425"/>
+                </a:tc>
+                <a:tc>
+                  <a:txBody>
+                    <a:bodyPr/>
+                    <a:lstStyle/>
+                    <a:p>
+                      <a:pPr indent="0" lvl="0" marL="0" rtl="0" algn="l">
+                        <a:spcBef>
+                          <a:spcPts val="0"/>
+                        </a:spcBef>
+                        <a:spcAft>
+                          <a:spcPts val="0"/>
+                        </a:spcAft>
+                        <a:buNone/>
+                      </a:pPr>
+                      <a:r>
+                        <a:rPr lang="en"/>
+                        <a:t>200</a:t>
+                      </a:r>
+                      <a:endParaRPr/>
+                    </a:p>
+                  </a:txBody>
+                  <a:tcPr marT="91425" marB="91425" marR="91425" marL="91425"/>
+                </a:tc>
+                <a:tc>
+                  <a:txBody>
+                    <a:bodyPr/>
+                    <a:lstStyle/>
+                    <a:p>
+                      <a:pPr indent="0" lvl="0" marL="0" rtl="0" algn="l">
+                        <a:spcBef>
+                          <a:spcPts val="0"/>
+                        </a:spcBef>
+                        <a:spcAft>
+                          <a:spcPts val="0"/>
+                        </a:spcAft>
+                        <a:buNone/>
+                      </a:pPr>
+                      <a:r>
+                        <a:rPr lang="en"/>
+                        <a:t>11</a:t>
+                      </a:r>
+                      <a:endParaRPr/>
+                    </a:p>
+                  </a:txBody>
+                  <a:tcPr marT="91425" marB="91425" marR="91425" marL="91425"/>
+                </a:tc>
+              </a:tr>
+            </a:tbl>
+          </a:graphicData>
+        </a:graphic>
+      </p:graphicFrame>
+      <p:graphicFrame>
+        <p:nvGraphicFramePr>
+          <p:cNvPr id="180" name="Google Shape;180;p28"/>
+          <p:cNvGraphicFramePr/>
+          <p:nvPr/>
+        </p:nvGraphicFramePr>
+        <p:xfrm>
+          <a:off x="4663325" y="1950725"/>
+          <a:ext cx="3000000" cy="3000000"/>
+        </p:xfrm>
+        <a:graphic>
+          <a:graphicData uri="http://schemas.openxmlformats.org/drawingml/2006/table">
+            <a:tbl>
+              <a:tblPr>
+                <a:noFill/>
+                <a:tableStyleId>{DD3F6187-CC3A-487A-AD77-DA6A182CD7B4}</a:tableStyleId>
+              </a:tblPr>
+              <a:tblGrid>
+                <a:gridCol w="1335250"/>
+                <a:gridCol w="1335250"/>
+                <a:gridCol w="1335250"/>
+              </a:tblGrid>
+              <a:tr h="381000">
+                <a:tc>
+                  <a:txBody>
+                    <a:bodyPr/>
+                    <a:lstStyle/>
+                    <a:p>
+                      <a:pPr indent="0" lvl="0" marL="0" rtl="0" algn="l">
+                        <a:spcBef>
+                          <a:spcPts val="0"/>
+                        </a:spcBef>
+                        <a:spcAft>
+                          <a:spcPts val="0"/>
+                        </a:spcAft>
+                        <a:buNone/>
+                      </a:pPr>
+                      <a:r>
+                        <a:rPr lang="en"/>
+                        <a:t>Name</a:t>
+                      </a:r>
+                      <a:endParaRPr/>
+                    </a:p>
+                  </a:txBody>
+                  <a:tcPr marT="91425" marB="91425" marR="91425" marL="91425">
+                    <a:lnL cap="flat" cmpd="sng" w="9525">
+                      <a:solidFill>
+                        <a:srgbClr val="9E9E9E"/>
+                      </a:solidFill>
+                      <a:prstDash val="solid"/>
+                      <a:round/>
+                      <a:headEnd len="sm" w="sm" type="none"/>
+                      <a:tailEnd len="sm" w="sm" type="none"/>
+                    </a:lnL>
+                    <a:lnR cap="flat" cmpd="sng" w="9525">
+                      <a:solidFill>
+                        <a:srgbClr val="9E9E9E"/>
+                      </a:solidFill>
+                      <a:prstDash val="solid"/>
+                      <a:round/>
+                      <a:headEnd len="sm" w="sm" type="none"/>
+                      <a:tailEnd len="sm" w="sm" type="none"/>
+                    </a:lnR>
+                    <a:lnT cap="flat" cmpd="sng" w="9525">
+                      <a:solidFill>
+                        <a:srgbClr val="9E9E9E"/>
+                      </a:solidFill>
+                      <a:prstDash val="solid"/>
+                      <a:round/>
+                      <a:headEnd len="sm" w="sm" type="none"/>
+                      <a:tailEnd len="sm" w="sm" type="none"/>
+                    </a:lnT>
+                    <a:lnB cap="flat" cmpd="sng" w="9525">
+                      <a:solidFill>
+                        <a:srgbClr val="9E9E9E"/>
+                      </a:solidFill>
+                      <a:prstDash val="solid"/>
+                      <a:round/>
+                      <a:headEnd len="sm" w="sm" type="none"/>
+                      <a:tailEnd len="sm" w="sm" type="none"/>
+                    </a:lnB>
+                  </a:tcPr>
+                </a:tc>
+                <a:tc>
+                  <a:txBody>
+                    <a:bodyPr/>
+                    <a:lstStyle/>
+                    <a:p>
+                      <a:pPr indent="0" lvl="0" marL="0" rtl="0" algn="l">
+                        <a:spcBef>
+                          <a:spcPts val="0"/>
+                        </a:spcBef>
+                        <a:spcAft>
+                          <a:spcPts val="0"/>
+                        </a:spcAft>
+                        <a:buNone/>
+                      </a:pPr>
+                      <a:r>
+                        <a:rPr lang="en"/>
+                        <a:t>Var.</a:t>
+                      </a:r>
+                      <a:endParaRPr/>
+                    </a:p>
+                  </a:txBody>
+                  <a:tcPr marT="91425" marB="91425" marR="91425" marL="91425">
+                    <a:lnL cap="flat" cmpd="sng" w="9525">
+                      <a:solidFill>
+                        <a:srgbClr val="9E9E9E"/>
+                      </a:solidFill>
+                      <a:prstDash val="solid"/>
+                      <a:round/>
+                      <a:headEnd len="sm" w="sm" type="none"/>
+                      <a:tailEnd len="sm" w="sm" type="none"/>
+                    </a:lnL>
+                    <a:lnR cap="flat" cmpd="sng" w="9525">
+                      <a:solidFill>
+                        <a:srgbClr val="9E9E9E"/>
+                      </a:solidFill>
+                      <a:prstDash val="solid"/>
+                      <a:round/>
+                      <a:headEnd len="sm" w="sm" type="none"/>
+                      <a:tailEnd len="sm" w="sm" type="none"/>
+                    </a:lnR>
+                    <a:lnT cap="flat" cmpd="sng" w="9525">
+                      <a:solidFill>
+                        <a:srgbClr val="9E9E9E"/>
+                      </a:solidFill>
+                      <a:prstDash val="solid"/>
+                      <a:round/>
+                      <a:headEnd len="sm" w="sm" type="none"/>
+                      <a:tailEnd len="sm" w="sm" type="none"/>
+                    </a:lnT>
+                    <a:lnB cap="flat" cmpd="sng" w="9525">
+                      <a:solidFill>
+                        <a:srgbClr val="9E9E9E"/>
+                      </a:solidFill>
+                      <a:prstDash val="solid"/>
+                      <a:round/>
+                      <a:headEnd len="sm" w="sm" type="none"/>
+                      <a:tailEnd len="sm" w="sm" type="none"/>
+                    </a:lnB>
+                  </a:tcPr>
+                </a:tc>
+                <a:tc>
+                  <a:txBody>
+                    <a:bodyPr/>
+                    <a:lstStyle/>
+                    <a:p>
+                      <a:pPr indent="0" lvl="0" marL="0" rtl="0" algn="l">
+                        <a:spcBef>
+                          <a:spcPts val="0"/>
+                        </a:spcBef>
+                        <a:spcAft>
+                          <a:spcPts val="0"/>
+                        </a:spcAft>
+                        <a:buNone/>
+                      </a:pPr>
+                      <a:r>
+                        <a:rPr lang="en"/>
+                        <a:t>Value</a:t>
+                      </a:r>
+                      <a:endParaRPr/>
+                    </a:p>
+                  </a:txBody>
+                  <a:tcPr marT="91425" marB="91425" marR="91425" marL="91425">
+                    <a:lnL cap="flat" cmpd="sng" w="9525">
+                      <a:solidFill>
+                        <a:srgbClr val="9E9E9E"/>
+                      </a:solidFill>
+                      <a:prstDash val="solid"/>
+                      <a:round/>
+                      <a:headEnd len="sm" w="sm" type="none"/>
+                      <a:tailEnd len="sm" w="sm" type="none"/>
+                    </a:lnL>
+                    <a:lnR cap="flat" cmpd="sng" w="9525">
+                      <a:solidFill>
+                        <a:srgbClr val="9E9E9E"/>
+                      </a:solidFill>
+                      <a:prstDash val="solid"/>
+                      <a:round/>
+                      <a:headEnd len="sm" w="sm" type="none"/>
+                      <a:tailEnd len="sm" w="sm" type="none"/>
+                    </a:lnR>
+                    <a:lnT cap="flat" cmpd="sng" w="9525">
+                      <a:solidFill>
+                        <a:srgbClr val="9E9E9E"/>
+                      </a:solidFill>
+                      <a:prstDash val="solid"/>
+                      <a:round/>
+                      <a:headEnd len="sm" w="sm" type="none"/>
+                      <a:tailEnd len="sm" w="sm" type="none"/>
+                    </a:lnT>
+                    <a:lnB cap="flat" cmpd="sng" w="9525">
+                      <a:solidFill>
+                        <a:srgbClr val="9E9E9E"/>
+                      </a:solidFill>
+                      <a:prstDash val="solid"/>
+                      <a:round/>
+                      <a:headEnd len="sm" w="sm" type="none"/>
+                      <a:tailEnd len="sm" w="sm" type="none"/>
+                    </a:lnB>
+                  </a:tcPr>
+                </a:tc>
+              </a:tr>
+              <a:tr h="396200">
+                <a:tc>
+                  <a:txBody>
+                    <a:bodyPr/>
+                    <a:lstStyle/>
+                    <a:p>
+                      <a:pPr indent="0" lvl="0" marL="0" rtl="0" algn="l">
+                        <a:spcBef>
+                          <a:spcPts val="0"/>
+                        </a:spcBef>
+                        <a:spcAft>
+                          <a:spcPts val="0"/>
+                        </a:spcAft>
+                        <a:buNone/>
+                      </a:pPr>
+                      <a:r>
+                        <a:rPr lang="en"/>
+                        <a:t>Ron</a:t>
+                      </a:r>
+                      <a:endParaRPr/>
+                    </a:p>
+                  </a:txBody>
+                  <a:tcPr marT="91425" marB="91425" marR="91425" marL="91425">
+                    <a:lnL cap="flat" cmpd="sng" w="9525">
+                      <a:solidFill>
+                        <a:srgbClr val="9E9E9E"/>
+                      </a:solidFill>
+                      <a:prstDash val="solid"/>
+                      <a:round/>
+                      <a:headEnd len="sm" w="sm" type="none"/>
+                      <a:tailEnd len="sm" w="sm" type="none"/>
+                    </a:lnL>
+                    <a:lnR cap="flat" cmpd="sng" w="9525">
+                      <a:solidFill>
+                        <a:srgbClr val="9E9E9E"/>
+                      </a:solidFill>
+                      <a:prstDash val="solid"/>
+                      <a:round/>
+                      <a:headEnd len="sm" w="sm" type="none"/>
+                      <a:tailEnd len="sm" w="sm" type="none"/>
+                    </a:lnR>
+                    <a:lnT cap="flat" cmpd="sng" w="9525">
+                      <a:solidFill>
+                        <a:srgbClr val="9E9E9E"/>
+                      </a:solidFill>
+                      <a:prstDash val="solid"/>
+                      <a:round/>
+                      <a:headEnd len="sm" w="sm" type="none"/>
+                      <a:tailEnd len="sm" w="sm" type="none"/>
+                    </a:lnT>
+                    <a:lnB cap="flat" cmpd="sng" w="9525">
+                      <a:solidFill>
+                        <a:srgbClr val="9E9E9E"/>
+                      </a:solidFill>
+                      <a:prstDash val="solid"/>
+                      <a:round/>
+                      <a:headEnd len="sm" w="sm" type="none"/>
+                      <a:tailEnd len="sm" w="sm" type="none"/>
+                    </a:lnB>
+                  </a:tcPr>
+                </a:tc>
+                <a:tc>
+                  <a:txBody>
+                    <a:bodyPr/>
+                    <a:lstStyle/>
+                    <a:p>
+                      <a:pPr indent="0" lvl="0" marL="0" rtl="0" algn="l">
+                        <a:spcBef>
+                          <a:spcPts val="0"/>
+                        </a:spcBef>
+                        <a:spcAft>
+                          <a:spcPts val="0"/>
+                        </a:spcAft>
+                        <a:buNone/>
+                      </a:pPr>
+                      <a:r>
+                        <a:rPr lang="en"/>
+                        <a:t>Height</a:t>
+                      </a:r>
+                      <a:endParaRPr/>
+                    </a:p>
+                  </a:txBody>
+                  <a:tcPr marT="91425" marB="91425" marR="91425" marL="91425">
+                    <a:lnL cap="flat" cmpd="sng" w="9525">
+                      <a:solidFill>
+                        <a:srgbClr val="9E9E9E"/>
+                      </a:solidFill>
+                      <a:prstDash val="solid"/>
+                      <a:round/>
+                      <a:headEnd len="sm" w="sm" type="none"/>
+                      <a:tailEnd len="sm" w="sm" type="none"/>
+                    </a:lnL>
+                    <a:lnR cap="flat" cmpd="sng" w="9525">
+                      <a:solidFill>
+                        <a:srgbClr val="9E9E9E"/>
+                      </a:solidFill>
+                      <a:prstDash val="solid"/>
+                      <a:round/>
+                      <a:headEnd len="sm" w="sm" type="none"/>
+                      <a:tailEnd len="sm" w="sm" type="none"/>
+                    </a:lnR>
+                    <a:lnT cap="flat" cmpd="sng" w="9525">
+                      <a:solidFill>
+                        <a:srgbClr val="9E9E9E"/>
+                      </a:solidFill>
+                      <a:prstDash val="solid"/>
+                      <a:round/>
+                      <a:headEnd len="sm" w="sm" type="none"/>
+                      <a:tailEnd len="sm" w="sm" type="none"/>
+                    </a:lnT>
+                    <a:lnB cap="flat" cmpd="sng" w="9525">
+                      <a:solidFill>
+                        <a:srgbClr val="9E9E9E"/>
+                      </a:solidFill>
+                      <a:prstDash val="solid"/>
+                      <a:round/>
+                      <a:headEnd len="sm" w="sm" type="none"/>
+                      <a:tailEnd len="sm" w="sm" type="none"/>
+                    </a:lnB>
+                  </a:tcPr>
+                </a:tc>
+                <a:tc>
+                  <a:txBody>
+                    <a:bodyPr/>
+                    <a:lstStyle/>
+                    <a:p>
+                      <a:pPr indent="0" lvl="0" marL="0" rtl="0" algn="l">
+                        <a:spcBef>
+                          <a:spcPts val="0"/>
+                        </a:spcBef>
+                        <a:spcAft>
+                          <a:spcPts val="0"/>
+                        </a:spcAft>
+                        <a:buNone/>
+                      </a:pPr>
+                      <a:r>
+                        <a:rPr lang="en"/>
+                        <a:t>68</a:t>
+                      </a:r>
+                      <a:endParaRPr/>
+                    </a:p>
+                  </a:txBody>
+                  <a:tcPr marT="91425" marB="91425" marR="91425" marL="91425">
+                    <a:lnL cap="flat" cmpd="sng" w="9525">
+                      <a:solidFill>
+                        <a:srgbClr val="9E9E9E"/>
+                      </a:solidFill>
+                      <a:prstDash val="solid"/>
+                      <a:round/>
+                      <a:headEnd len="sm" w="sm" type="none"/>
+                      <a:tailEnd len="sm" w="sm" type="none"/>
+                    </a:lnL>
+                    <a:lnR cap="flat" cmpd="sng" w="9525">
+                      <a:solidFill>
+                        <a:srgbClr val="9E9E9E"/>
+                      </a:solidFill>
+                      <a:prstDash val="solid"/>
+                      <a:round/>
+                      <a:headEnd len="sm" w="sm" type="none"/>
+                      <a:tailEnd len="sm" w="sm" type="none"/>
+                    </a:lnR>
+                    <a:lnT cap="flat" cmpd="sng" w="9525">
+                      <a:solidFill>
+                        <a:srgbClr val="9E9E9E"/>
+                      </a:solidFill>
+                      <a:prstDash val="solid"/>
+                      <a:round/>
+                      <a:headEnd len="sm" w="sm" type="none"/>
+                      <a:tailEnd len="sm" w="sm" type="none"/>
+                    </a:lnT>
+                    <a:lnB cap="flat" cmpd="sng" w="9525">
+                      <a:solidFill>
+                        <a:srgbClr val="9E9E9E"/>
+                      </a:solidFill>
+                      <a:prstDash val="solid"/>
+                      <a:round/>
+                      <a:headEnd len="sm" w="sm" type="none"/>
+                      <a:tailEnd len="sm" w="sm" type="none"/>
+                    </a:lnB>
+                  </a:tcPr>
+                </a:tc>
+              </a:tr>
+              <a:tr h="396200">
+                <a:tc>
+                  <a:txBody>
+                    <a:bodyPr/>
+                    <a:lstStyle/>
+                    <a:p>
+                      <a:pPr indent="0" lvl="0" marL="0" rtl="0" algn="l">
+                        <a:spcBef>
+                          <a:spcPts val="0"/>
+                        </a:spcBef>
+                        <a:spcAft>
+                          <a:spcPts val="0"/>
+                        </a:spcAft>
+                        <a:buNone/>
+                      </a:pPr>
+                      <a:r>
+                        <a:rPr lang="en"/>
+                        <a:t>Kyle</a:t>
+                      </a:r>
+                      <a:endParaRPr/>
+                    </a:p>
+                  </a:txBody>
+                  <a:tcPr marT="91425" marB="91425" marR="91425" marL="91425">
+                    <a:lnL cap="flat" cmpd="sng" w="9525">
+                      <a:solidFill>
+                        <a:srgbClr val="9E9E9E"/>
+                      </a:solidFill>
+                      <a:prstDash val="solid"/>
+                      <a:round/>
+                      <a:headEnd len="sm" w="sm" type="none"/>
+                      <a:tailEnd len="sm" w="sm" type="none"/>
+                    </a:lnL>
+                    <a:lnR cap="flat" cmpd="sng" w="9525">
+                      <a:solidFill>
+                        <a:srgbClr val="9E9E9E"/>
+                      </a:solidFill>
+                      <a:prstDash val="solid"/>
+                      <a:round/>
+                      <a:headEnd len="sm" w="sm" type="none"/>
+                      <a:tailEnd len="sm" w="sm" type="none"/>
+                    </a:lnR>
+                    <a:lnT cap="flat" cmpd="sng" w="9525">
+                      <a:solidFill>
+                        <a:srgbClr val="9E9E9E"/>
+                      </a:solidFill>
+                      <a:prstDash val="solid"/>
+                      <a:round/>
+                      <a:headEnd len="sm" w="sm" type="none"/>
+                      <a:tailEnd len="sm" w="sm" type="none"/>
+                    </a:lnT>
+                    <a:lnB cap="flat" cmpd="sng" w="9525">
+                      <a:solidFill>
+                        <a:srgbClr val="9E9E9E"/>
+                      </a:solidFill>
+                      <a:prstDash val="solid"/>
+                      <a:round/>
+                      <a:headEnd len="sm" w="sm" type="none"/>
+                      <a:tailEnd len="sm" w="sm" type="none"/>
+                    </a:lnB>
+                  </a:tcPr>
+                </a:tc>
+                <a:tc>
+                  <a:txBody>
+                    <a:bodyPr/>
+                    <a:lstStyle/>
+                    <a:p>
+                      <a:pPr indent="0" lvl="0" marL="0" rtl="0" algn="l">
+                        <a:spcBef>
+                          <a:spcPts val="0"/>
+                        </a:spcBef>
+                        <a:spcAft>
+                          <a:spcPts val="0"/>
+                        </a:spcAft>
+                        <a:buNone/>
+                      </a:pPr>
+                      <a:r>
+                        <a:rPr lang="en"/>
+                        <a:t>Height</a:t>
+                      </a:r>
+                      <a:endParaRPr/>
+                    </a:p>
+                  </a:txBody>
+                  <a:tcPr marT="91425" marB="91425" marR="91425" marL="91425">
+                    <a:lnL cap="flat" cmpd="sng" w="9525">
+                      <a:solidFill>
+                        <a:srgbClr val="9E9E9E"/>
+                      </a:solidFill>
+                      <a:prstDash val="solid"/>
+                      <a:round/>
+                      <a:headEnd len="sm" w="sm" type="none"/>
+                      <a:tailEnd len="sm" w="sm" type="none"/>
+                    </a:lnL>
+                    <a:lnR cap="flat" cmpd="sng" w="9525">
+                      <a:solidFill>
+                        <a:srgbClr val="9E9E9E"/>
+                      </a:solidFill>
+                      <a:prstDash val="solid"/>
+                      <a:round/>
+                      <a:headEnd len="sm" w="sm" type="none"/>
+                      <a:tailEnd len="sm" w="sm" type="none"/>
+                    </a:lnR>
+                    <a:lnT cap="flat" cmpd="sng" w="9525">
+                      <a:solidFill>
+                        <a:srgbClr val="9E9E9E"/>
+                      </a:solidFill>
+                      <a:prstDash val="solid"/>
+                      <a:round/>
+                      <a:headEnd len="sm" w="sm" type="none"/>
+                      <a:tailEnd len="sm" w="sm" type="none"/>
+                    </a:lnT>
+                    <a:lnB cap="flat" cmpd="sng" w="9525">
+                      <a:solidFill>
+                        <a:srgbClr val="9E9E9E"/>
+                      </a:solidFill>
+                      <a:prstDash val="solid"/>
+                      <a:round/>
+                      <a:headEnd len="sm" w="sm" type="none"/>
+                      <a:tailEnd len="sm" w="sm" type="none"/>
+                    </a:lnB>
+                  </a:tcPr>
+                </a:tc>
+                <a:tc>
+                  <a:txBody>
+                    <a:bodyPr/>
+                    <a:lstStyle/>
+                    <a:p>
+                      <a:pPr indent="0" lvl="0" marL="0" rtl="0" algn="l">
+                        <a:spcBef>
+                          <a:spcPts val="0"/>
+                        </a:spcBef>
+                        <a:spcAft>
+                          <a:spcPts val="0"/>
+                        </a:spcAft>
+                        <a:buNone/>
+                      </a:pPr>
+                      <a:r>
+                        <a:rPr lang="en"/>
+                        <a:t>74</a:t>
+                      </a:r>
+                      <a:endParaRPr/>
+                    </a:p>
+                  </a:txBody>
+                  <a:tcPr marT="91425" marB="91425" marR="91425" marL="91425">
+                    <a:lnL cap="flat" cmpd="sng" w="9525">
+                      <a:solidFill>
+                        <a:srgbClr val="9E9E9E"/>
+                      </a:solidFill>
+                      <a:prstDash val="solid"/>
+                      <a:round/>
+                      <a:headEnd len="sm" w="sm" type="none"/>
+                      <a:tailEnd len="sm" w="sm" type="none"/>
+                    </a:lnL>
+                    <a:lnR cap="flat" cmpd="sng" w="9525">
+                      <a:solidFill>
+                        <a:srgbClr val="9E9E9E"/>
+                      </a:solidFill>
+                      <a:prstDash val="solid"/>
+                      <a:round/>
+                      <a:headEnd len="sm" w="sm" type="none"/>
+                      <a:tailEnd len="sm" w="sm" type="none"/>
+                    </a:lnR>
+                    <a:lnT cap="flat" cmpd="sng" w="9525">
+                      <a:solidFill>
+                        <a:srgbClr val="9E9E9E"/>
+                      </a:solidFill>
+                      <a:prstDash val="solid"/>
+                      <a:round/>
+                      <a:headEnd len="sm" w="sm" type="none"/>
+                      <a:tailEnd len="sm" w="sm" type="none"/>
+                    </a:lnT>
+                    <a:lnB cap="flat" cmpd="sng" w="9525">
+                      <a:solidFill>
+                        <a:srgbClr val="9E9E9E"/>
+                      </a:solidFill>
+                      <a:prstDash val="solid"/>
+                      <a:round/>
+                      <a:headEnd len="sm" w="sm" type="none"/>
+                      <a:tailEnd len="sm" w="sm" type="none"/>
+                    </a:lnB>
+                  </a:tcPr>
+                </a:tc>
+              </a:tr>
+              <a:tr h="396200">
+                <a:tc>
+                  <a:txBody>
+                    <a:bodyPr/>
+                    <a:lstStyle/>
+                    <a:p>
+                      <a:pPr indent="0" lvl="0" marL="0" rtl="0" algn="l">
+                        <a:spcBef>
+                          <a:spcPts val="0"/>
+                        </a:spcBef>
+                        <a:spcAft>
+                          <a:spcPts val="0"/>
+                        </a:spcAft>
+                        <a:buNone/>
+                      </a:pPr>
+                      <a:r>
+                        <a:rPr lang="en"/>
+                        <a:t>Ron</a:t>
+                      </a:r>
+                      <a:endParaRPr/>
+                    </a:p>
+                  </a:txBody>
+                  <a:tcPr marT="91425" marB="91425" marR="91425" marL="91425">
+                    <a:lnL cap="flat" cmpd="sng" w="9525">
+                      <a:solidFill>
+                        <a:srgbClr val="9E9E9E"/>
+                      </a:solidFill>
+                      <a:prstDash val="solid"/>
+                      <a:round/>
+                      <a:headEnd len="sm" w="sm" type="none"/>
+                      <a:tailEnd len="sm" w="sm" type="none"/>
+                    </a:lnL>
+                    <a:lnR cap="flat" cmpd="sng" w="9525">
+                      <a:solidFill>
+                        <a:srgbClr val="9E9E9E"/>
+                      </a:solidFill>
+                      <a:prstDash val="solid"/>
+                      <a:round/>
+                      <a:headEnd len="sm" w="sm" type="none"/>
+                      <a:tailEnd len="sm" w="sm" type="none"/>
+                    </a:lnR>
+                    <a:lnT cap="flat" cmpd="sng" w="9525">
+                      <a:solidFill>
+                        <a:srgbClr val="9E9E9E"/>
+                      </a:solidFill>
+                      <a:prstDash val="solid"/>
+                      <a:round/>
+                      <a:headEnd len="sm" w="sm" type="none"/>
+                      <a:tailEnd len="sm" w="sm" type="none"/>
+                    </a:lnT>
+                    <a:lnB cap="flat" cmpd="sng" w="9525">
+                      <a:solidFill>
+                        <a:srgbClr val="9E9E9E"/>
+                      </a:solidFill>
+                      <a:prstDash val="solid"/>
+                      <a:round/>
+                      <a:headEnd len="sm" w="sm" type="none"/>
+                      <a:tailEnd len="sm" w="sm" type="none"/>
+                    </a:lnB>
+                  </a:tcPr>
+                </a:tc>
+                <a:tc>
+                  <a:txBody>
+                    <a:bodyPr/>
+                    <a:lstStyle/>
+                    <a:p>
+                      <a:pPr indent="0" lvl="0" marL="0" rtl="0" algn="l">
+                        <a:spcBef>
+                          <a:spcPts val="0"/>
+                        </a:spcBef>
+                        <a:spcAft>
+                          <a:spcPts val="0"/>
+                        </a:spcAft>
+                        <a:buNone/>
+                      </a:pPr>
+                      <a:r>
+                        <a:rPr lang="en"/>
+                        <a:t>Weight</a:t>
+                      </a:r>
+                      <a:endParaRPr/>
+                    </a:p>
+                  </a:txBody>
+                  <a:tcPr marT="91425" marB="91425" marR="91425" marL="91425">
+                    <a:lnL cap="flat" cmpd="sng" w="9525">
+                      <a:solidFill>
+                        <a:srgbClr val="9E9E9E"/>
+                      </a:solidFill>
+                      <a:prstDash val="solid"/>
+                      <a:round/>
+                      <a:headEnd len="sm" w="sm" type="none"/>
+                      <a:tailEnd len="sm" w="sm" type="none"/>
+                    </a:lnL>
+                    <a:lnR cap="flat" cmpd="sng" w="9525">
+                      <a:solidFill>
+                        <a:srgbClr val="9E9E9E"/>
+                      </a:solidFill>
+                      <a:prstDash val="solid"/>
+                      <a:round/>
+                      <a:headEnd len="sm" w="sm" type="none"/>
+                      <a:tailEnd len="sm" w="sm" type="none"/>
+                    </a:lnR>
+                    <a:lnT cap="flat" cmpd="sng" w="9525">
+                      <a:solidFill>
+                        <a:srgbClr val="9E9E9E"/>
+                      </a:solidFill>
+                      <a:prstDash val="solid"/>
+                      <a:round/>
+                      <a:headEnd len="sm" w="sm" type="none"/>
+                      <a:tailEnd len="sm" w="sm" type="none"/>
+                    </a:lnT>
+                    <a:lnB cap="flat" cmpd="sng" w="9525">
+                      <a:solidFill>
+                        <a:srgbClr val="9E9E9E"/>
+                      </a:solidFill>
+                      <a:prstDash val="solid"/>
+                      <a:round/>
+                      <a:headEnd len="sm" w="sm" type="none"/>
+                      <a:tailEnd len="sm" w="sm" type="none"/>
+                    </a:lnB>
+                  </a:tcPr>
+                </a:tc>
+                <a:tc>
+                  <a:txBody>
+                    <a:bodyPr/>
+                    <a:lstStyle/>
+                    <a:p>
+                      <a:pPr indent="0" lvl="0" marL="0" rtl="0" algn="l">
+                        <a:spcBef>
+                          <a:spcPts val="0"/>
+                        </a:spcBef>
+                        <a:spcAft>
+                          <a:spcPts val="0"/>
+                        </a:spcAft>
+                        <a:buNone/>
+                      </a:pPr>
+                      <a:r>
+                        <a:rPr lang="en"/>
+                        <a:t>150</a:t>
+                      </a:r>
+                      <a:endParaRPr/>
+                    </a:p>
+                  </a:txBody>
+                  <a:tcPr marT="91425" marB="91425" marR="91425" marL="91425">
+                    <a:lnL cap="flat" cmpd="sng" w="9525">
+                      <a:solidFill>
+                        <a:srgbClr val="9E9E9E"/>
+                      </a:solidFill>
+                      <a:prstDash val="solid"/>
+                      <a:round/>
+                      <a:headEnd len="sm" w="sm" type="none"/>
+                      <a:tailEnd len="sm" w="sm" type="none"/>
+                    </a:lnL>
+                    <a:lnR cap="flat" cmpd="sng" w="9525">
+                      <a:solidFill>
+                        <a:srgbClr val="9E9E9E"/>
+                      </a:solidFill>
+                      <a:prstDash val="solid"/>
+                      <a:round/>
+                      <a:headEnd len="sm" w="sm" type="none"/>
+                      <a:tailEnd len="sm" w="sm" type="none"/>
+                    </a:lnR>
+                    <a:lnT cap="flat" cmpd="sng" w="9525">
+                      <a:solidFill>
+                        <a:srgbClr val="9E9E9E"/>
+                      </a:solidFill>
+                      <a:prstDash val="solid"/>
+                      <a:round/>
+                      <a:headEnd len="sm" w="sm" type="none"/>
+                      <a:tailEnd len="sm" w="sm" type="none"/>
+                    </a:lnT>
+                    <a:lnB cap="flat" cmpd="sng" w="9525">
+                      <a:solidFill>
+                        <a:srgbClr val="9E9E9E"/>
+                      </a:solidFill>
+                      <a:prstDash val="solid"/>
+                      <a:round/>
+                      <a:headEnd len="sm" w="sm" type="none"/>
+                      <a:tailEnd len="sm" w="sm" type="none"/>
+                    </a:lnB>
+                  </a:tcPr>
+                </a:tc>
+              </a:tr>
+              <a:tr h="396200">
+                <a:tc>
+                  <a:txBody>
+                    <a:bodyPr/>
+                    <a:lstStyle/>
+                    <a:p>
+                      <a:pPr indent="0" lvl="0" marL="0" rtl="0" algn="l">
+                        <a:spcBef>
+                          <a:spcPts val="0"/>
+                        </a:spcBef>
+                        <a:spcAft>
+                          <a:spcPts val="0"/>
+                        </a:spcAft>
+                        <a:buNone/>
+                      </a:pPr>
+                      <a:r>
+                        <a:rPr lang="en"/>
+                        <a:t>Kyle</a:t>
+                      </a:r>
+                      <a:endParaRPr/>
+                    </a:p>
+                  </a:txBody>
+                  <a:tcPr marT="91425" marB="91425" marR="91425" marL="91425">
+                    <a:lnL cap="flat" cmpd="sng" w="9525">
+                      <a:solidFill>
+                        <a:srgbClr val="9E9E9E"/>
+                      </a:solidFill>
+                      <a:prstDash val="solid"/>
+                      <a:round/>
+                      <a:headEnd len="sm" w="sm" type="none"/>
+                      <a:tailEnd len="sm" w="sm" type="none"/>
+                    </a:lnL>
+                    <a:lnR cap="flat" cmpd="sng" w="9525">
+                      <a:solidFill>
+                        <a:srgbClr val="9E9E9E"/>
+                      </a:solidFill>
+                      <a:prstDash val="solid"/>
+                      <a:round/>
+                      <a:headEnd len="sm" w="sm" type="none"/>
+                      <a:tailEnd len="sm" w="sm" type="none"/>
+                    </a:lnR>
+                    <a:lnT cap="flat" cmpd="sng" w="9525">
+                      <a:solidFill>
+                        <a:srgbClr val="9E9E9E"/>
+                      </a:solidFill>
+                      <a:prstDash val="solid"/>
+                      <a:round/>
+                      <a:headEnd len="sm" w="sm" type="none"/>
+                      <a:tailEnd len="sm" w="sm" type="none"/>
+                    </a:lnT>
+                    <a:lnB cap="flat" cmpd="sng" w="9525">
+                      <a:solidFill>
+                        <a:srgbClr val="9E9E9E"/>
+                      </a:solidFill>
+                      <a:prstDash val="solid"/>
+                      <a:round/>
+                      <a:headEnd len="sm" w="sm" type="none"/>
+                      <a:tailEnd len="sm" w="sm" type="none"/>
+                    </a:lnB>
+                  </a:tcPr>
+                </a:tc>
+                <a:tc>
+                  <a:txBody>
+                    <a:bodyPr/>
+                    <a:lstStyle/>
+                    <a:p>
+                      <a:pPr indent="0" lvl="0" marL="0" rtl="0" algn="l">
+                        <a:spcBef>
+                          <a:spcPts val="0"/>
+                        </a:spcBef>
+                        <a:spcAft>
+                          <a:spcPts val="0"/>
+                        </a:spcAft>
+                        <a:buNone/>
+                      </a:pPr>
+                      <a:r>
+                        <a:rPr lang="en"/>
+                        <a:t>Weight</a:t>
+                      </a:r>
+                      <a:endParaRPr/>
+                    </a:p>
+                  </a:txBody>
+                  <a:tcPr marT="91425" marB="91425" marR="91425" marL="91425">
+                    <a:lnL cap="flat" cmpd="sng" w="9525">
+                      <a:solidFill>
+                        <a:srgbClr val="9E9E9E"/>
+                      </a:solidFill>
+                      <a:prstDash val="solid"/>
+                      <a:round/>
+                      <a:headEnd len="sm" w="sm" type="none"/>
+                      <a:tailEnd len="sm" w="sm" type="none"/>
+                    </a:lnL>
+                    <a:lnR cap="flat" cmpd="sng" w="9525">
+                      <a:solidFill>
+                        <a:srgbClr val="9E9E9E"/>
+                      </a:solidFill>
+                      <a:prstDash val="solid"/>
+                      <a:round/>
+                      <a:headEnd len="sm" w="sm" type="none"/>
+                      <a:tailEnd len="sm" w="sm" type="none"/>
+                    </a:lnR>
+                    <a:lnT cap="flat" cmpd="sng" w="9525">
+                      <a:solidFill>
+                        <a:srgbClr val="9E9E9E"/>
+                      </a:solidFill>
+                      <a:prstDash val="solid"/>
+                      <a:round/>
+                      <a:headEnd len="sm" w="sm" type="none"/>
+                      <a:tailEnd len="sm" w="sm" type="none"/>
+                    </a:lnT>
+                    <a:lnB cap="flat" cmpd="sng" w="9525">
+                      <a:solidFill>
+                        <a:srgbClr val="9E9E9E"/>
+                      </a:solidFill>
+                      <a:prstDash val="solid"/>
+                      <a:round/>
+                      <a:headEnd len="sm" w="sm" type="none"/>
+                      <a:tailEnd len="sm" w="sm" type="none"/>
+                    </a:lnB>
+                  </a:tcPr>
+                </a:tc>
+                <a:tc>
+                  <a:txBody>
+                    <a:bodyPr/>
+                    <a:lstStyle/>
+                    <a:p>
+                      <a:pPr indent="0" lvl="0" marL="0" rtl="0" algn="l">
+                        <a:spcBef>
+                          <a:spcPts val="0"/>
+                        </a:spcBef>
+                        <a:spcAft>
+                          <a:spcPts val="0"/>
+                        </a:spcAft>
+                        <a:buNone/>
+                      </a:pPr>
+                      <a:r>
+                        <a:rPr lang="en"/>
+                        <a:t>200</a:t>
+                      </a:r>
+                      <a:endParaRPr/>
+                    </a:p>
+                  </a:txBody>
+                  <a:tcPr marT="91425" marB="91425" marR="91425" marL="91425">
+                    <a:lnL cap="flat" cmpd="sng" w="9525">
+                      <a:solidFill>
+                        <a:srgbClr val="9E9E9E"/>
+                      </a:solidFill>
+                      <a:prstDash val="solid"/>
+                      <a:round/>
+                      <a:headEnd len="sm" w="sm" type="none"/>
+                      <a:tailEnd len="sm" w="sm" type="none"/>
+                    </a:lnL>
+                    <a:lnR cap="flat" cmpd="sng" w="9525">
+                      <a:solidFill>
+                        <a:srgbClr val="9E9E9E"/>
+                      </a:solidFill>
+                      <a:prstDash val="solid"/>
+                      <a:round/>
+                      <a:headEnd len="sm" w="sm" type="none"/>
+                      <a:tailEnd len="sm" w="sm" type="none"/>
+                    </a:lnR>
+                    <a:lnT cap="flat" cmpd="sng" w="9525">
+                      <a:solidFill>
+                        <a:srgbClr val="9E9E9E"/>
+                      </a:solidFill>
+                      <a:prstDash val="solid"/>
+                      <a:round/>
+                      <a:headEnd len="sm" w="sm" type="none"/>
+                      <a:tailEnd len="sm" w="sm" type="none"/>
+                    </a:lnT>
+                    <a:lnB cap="flat" cmpd="sng" w="9525">
+                      <a:solidFill>
+                        <a:srgbClr val="9E9E9E"/>
+                      </a:solidFill>
+                      <a:prstDash val="solid"/>
+                      <a:round/>
+                      <a:headEnd len="sm" w="sm" type="none"/>
+                      <a:tailEnd len="sm" w="sm" type="none"/>
+                    </a:lnB>
+                  </a:tcPr>
+                </a:tc>
+              </a:tr>
+              <a:tr h="396200">
+                <a:tc>
+                  <a:txBody>
+                    <a:bodyPr/>
+                    <a:lstStyle/>
+                    <a:p>
+                      <a:pPr indent="0" lvl="0" marL="0" rtl="0" algn="l">
+                        <a:spcBef>
+                          <a:spcPts val="0"/>
+                        </a:spcBef>
+                        <a:spcAft>
+                          <a:spcPts val="0"/>
+                        </a:spcAft>
+                        <a:buNone/>
+                      </a:pPr>
+                      <a:r>
+                        <a:rPr lang="en"/>
+                        <a:t>Ron</a:t>
+                      </a:r>
+                      <a:endParaRPr/>
+                    </a:p>
+                  </a:txBody>
+                  <a:tcPr marT="91425" marB="91425" marR="91425" marL="91425">
+                    <a:lnL cap="flat" cmpd="sng" w="9525">
+                      <a:solidFill>
+                        <a:srgbClr val="9E9E9E"/>
+                      </a:solidFill>
+                      <a:prstDash val="solid"/>
+                      <a:round/>
+                      <a:headEnd len="sm" w="sm" type="none"/>
+                      <a:tailEnd len="sm" w="sm" type="none"/>
+                    </a:lnL>
+                    <a:lnR cap="flat" cmpd="sng" w="9525">
+                      <a:solidFill>
+                        <a:srgbClr val="9E9E9E"/>
+                      </a:solidFill>
+                      <a:prstDash val="solid"/>
+                      <a:round/>
+                      <a:headEnd len="sm" w="sm" type="none"/>
+                      <a:tailEnd len="sm" w="sm" type="none"/>
+                    </a:lnR>
+                    <a:lnT cap="flat" cmpd="sng" w="9525">
+                      <a:solidFill>
+                        <a:srgbClr val="9E9E9E"/>
+                      </a:solidFill>
+                      <a:prstDash val="solid"/>
+                      <a:round/>
+                      <a:headEnd len="sm" w="sm" type="none"/>
+                      <a:tailEnd len="sm" w="sm" type="none"/>
+                    </a:lnT>
+                    <a:lnB cap="flat" cmpd="sng" w="9525">
+                      <a:solidFill>
+                        <a:srgbClr val="9E9E9E"/>
+                      </a:solidFill>
+                      <a:prstDash val="solid"/>
+                      <a:round/>
+                      <a:headEnd len="sm" w="sm" type="none"/>
+                      <a:tailEnd len="sm" w="sm" type="none"/>
+                    </a:lnB>
+                  </a:tcPr>
+                </a:tc>
+                <a:tc>
+                  <a:txBody>
+                    <a:bodyPr/>
+                    <a:lstStyle/>
+                    <a:p>
+                      <a:pPr indent="0" lvl="0" marL="0" rtl="0" algn="l">
+                        <a:spcBef>
+                          <a:spcPts val="0"/>
+                        </a:spcBef>
+                        <a:spcAft>
+                          <a:spcPts val="0"/>
+                        </a:spcAft>
+                        <a:buNone/>
+                      </a:pPr>
+                      <a:r>
+                        <a:rPr lang="en"/>
+                        <a:t>Shoe Sz.</a:t>
+                      </a:r>
+                      <a:endParaRPr/>
+                    </a:p>
+                  </a:txBody>
+                  <a:tcPr marT="91425" marB="91425" marR="91425" marL="91425">
+                    <a:lnL cap="flat" cmpd="sng" w="9525">
+                      <a:solidFill>
+                        <a:srgbClr val="9E9E9E"/>
+                      </a:solidFill>
+                      <a:prstDash val="solid"/>
+                      <a:round/>
+                      <a:headEnd len="sm" w="sm" type="none"/>
+                      <a:tailEnd len="sm" w="sm" type="none"/>
+                    </a:lnL>
+                    <a:lnR cap="flat" cmpd="sng" w="9525">
+                      <a:solidFill>
+                        <a:srgbClr val="9E9E9E"/>
+                      </a:solidFill>
+                      <a:prstDash val="solid"/>
+                      <a:round/>
+                      <a:headEnd len="sm" w="sm" type="none"/>
+                      <a:tailEnd len="sm" w="sm" type="none"/>
+                    </a:lnR>
+                    <a:lnT cap="flat" cmpd="sng" w="9525">
+                      <a:solidFill>
+                        <a:srgbClr val="9E9E9E"/>
+                      </a:solidFill>
+                      <a:prstDash val="solid"/>
+                      <a:round/>
+                      <a:headEnd len="sm" w="sm" type="none"/>
+                      <a:tailEnd len="sm" w="sm" type="none"/>
+                    </a:lnT>
+                    <a:lnB cap="flat" cmpd="sng" w="9525">
+                      <a:solidFill>
+                        <a:srgbClr val="9E9E9E"/>
+                      </a:solidFill>
+                      <a:prstDash val="solid"/>
+                      <a:round/>
+                      <a:headEnd len="sm" w="sm" type="none"/>
+                      <a:tailEnd len="sm" w="sm" type="none"/>
+                    </a:lnB>
+                  </a:tcPr>
+                </a:tc>
+                <a:tc>
+                  <a:txBody>
+                    <a:bodyPr/>
+                    <a:lstStyle/>
+                    <a:p>
+                      <a:pPr indent="0" lvl="0" marL="0" rtl="0" algn="l">
+                        <a:spcBef>
+                          <a:spcPts val="0"/>
+                        </a:spcBef>
+                        <a:spcAft>
+                          <a:spcPts val="0"/>
+                        </a:spcAft>
+                        <a:buNone/>
+                      </a:pPr>
+                      <a:r>
+                        <a:rPr lang="en"/>
+                        <a:t>9</a:t>
+                      </a:r>
+                      <a:endParaRPr/>
+                    </a:p>
+                  </a:txBody>
+                  <a:tcPr marT="91425" marB="91425" marR="91425" marL="91425">
+                    <a:lnL cap="flat" cmpd="sng" w="9525">
+                      <a:solidFill>
+                        <a:srgbClr val="9E9E9E"/>
+                      </a:solidFill>
+                      <a:prstDash val="solid"/>
+                      <a:round/>
+                      <a:headEnd len="sm" w="sm" type="none"/>
+                      <a:tailEnd len="sm" w="sm" type="none"/>
+                    </a:lnL>
+                    <a:lnR cap="flat" cmpd="sng" w="9525">
+                      <a:solidFill>
+                        <a:srgbClr val="9E9E9E"/>
+                      </a:solidFill>
+                      <a:prstDash val="solid"/>
+                      <a:round/>
+                      <a:headEnd len="sm" w="sm" type="none"/>
+                      <a:tailEnd len="sm" w="sm" type="none"/>
+                    </a:lnR>
+                    <a:lnT cap="flat" cmpd="sng" w="9525">
+                      <a:solidFill>
+                        <a:srgbClr val="9E9E9E"/>
+                      </a:solidFill>
+                      <a:prstDash val="solid"/>
+                      <a:round/>
+                      <a:headEnd len="sm" w="sm" type="none"/>
+                      <a:tailEnd len="sm" w="sm" type="none"/>
+                    </a:lnT>
+                    <a:lnB cap="flat" cmpd="sng" w="9525">
+                      <a:solidFill>
+                        <a:srgbClr val="9E9E9E"/>
+                      </a:solidFill>
+                      <a:prstDash val="solid"/>
+                      <a:round/>
+                      <a:headEnd len="sm" w="sm" type="none"/>
+                      <a:tailEnd len="sm" w="sm" type="none"/>
+                    </a:lnB>
+                  </a:tcPr>
+                </a:tc>
+              </a:tr>
+              <a:tr h="396200">
+                <a:tc>
+                  <a:txBody>
+                    <a:bodyPr/>
+                    <a:lstStyle/>
+                    <a:p>
+                      <a:pPr indent="0" lvl="0" marL="0" rtl="0" algn="l">
+                        <a:spcBef>
+                          <a:spcPts val="0"/>
+                        </a:spcBef>
+                        <a:spcAft>
+                          <a:spcPts val="0"/>
+                        </a:spcAft>
+                        <a:buNone/>
+                      </a:pPr>
+                      <a:r>
+                        <a:rPr lang="en"/>
+                        <a:t>Kyle</a:t>
+                      </a:r>
+                      <a:endParaRPr/>
+                    </a:p>
+                  </a:txBody>
+                  <a:tcPr marT="91425" marB="91425" marR="91425" marL="91425">
+                    <a:lnL cap="flat" cmpd="sng" w="9525">
+                      <a:solidFill>
+                        <a:srgbClr val="9E9E9E"/>
+                      </a:solidFill>
+                      <a:prstDash val="solid"/>
+                      <a:round/>
+                      <a:headEnd len="sm" w="sm" type="none"/>
+                      <a:tailEnd len="sm" w="sm" type="none"/>
+                    </a:lnL>
+                    <a:lnR cap="flat" cmpd="sng" w="9525">
+                      <a:solidFill>
+                        <a:srgbClr val="9E9E9E"/>
+                      </a:solidFill>
+                      <a:prstDash val="solid"/>
+                      <a:round/>
+                      <a:headEnd len="sm" w="sm" type="none"/>
+                      <a:tailEnd len="sm" w="sm" type="none"/>
+                    </a:lnR>
+                    <a:lnT cap="flat" cmpd="sng" w="9525">
+                      <a:solidFill>
+                        <a:srgbClr val="9E9E9E"/>
+                      </a:solidFill>
+                      <a:prstDash val="solid"/>
+                      <a:round/>
+                      <a:headEnd len="sm" w="sm" type="none"/>
+                      <a:tailEnd len="sm" w="sm" type="none"/>
+                    </a:lnT>
+                    <a:lnB cap="flat" cmpd="sng" w="9525">
+                      <a:solidFill>
+                        <a:srgbClr val="9E9E9E"/>
+                      </a:solidFill>
+                      <a:prstDash val="solid"/>
+                      <a:round/>
+                      <a:headEnd len="sm" w="sm" type="none"/>
+                      <a:tailEnd len="sm" w="sm" type="none"/>
+                    </a:lnB>
+                  </a:tcPr>
+                </a:tc>
+                <a:tc>
+                  <a:txBody>
+                    <a:bodyPr/>
+                    <a:lstStyle/>
+                    <a:p>
+                      <a:pPr indent="0" lvl="0" marL="0" rtl="0" algn="l">
+                        <a:spcBef>
+                          <a:spcPts val="0"/>
+                        </a:spcBef>
+                        <a:spcAft>
+                          <a:spcPts val="0"/>
+                        </a:spcAft>
+                        <a:buNone/>
+                      </a:pPr>
+                      <a:r>
+                        <a:rPr lang="en"/>
+                        <a:t>Shoe Sz.</a:t>
+                      </a:r>
+                      <a:endParaRPr/>
+                    </a:p>
+                  </a:txBody>
+                  <a:tcPr marT="91425" marB="91425" marR="91425" marL="91425">
+                    <a:lnL cap="flat" cmpd="sng" w="9525">
+                      <a:solidFill>
+                        <a:srgbClr val="9E9E9E"/>
+                      </a:solidFill>
+                      <a:prstDash val="solid"/>
+                      <a:round/>
+                      <a:headEnd len="sm" w="sm" type="none"/>
+                      <a:tailEnd len="sm" w="sm" type="none"/>
+                    </a:lnL>
+                    <a:lnR cap="flat" cmpd="sng" w="9525">
+                      <a:solidFill>
+                        <a:srgbClr val="9E9E9E"/>
+                      </a:solidFill>
+                      <a:prstDash val="solid"/>
+                      <a:round/>
+                      <a:headEnd len="sm" w="sm" type="none"/>
+                      <a:tailEnd len="sm" w="sm" type="none"/>
+                    </a:lnR>
+                    <a:lnT cap="flat" cmpd="sng" w="9525">
+                      <a:solidFill>
+                        <a:srgbClr val="9E9E9E"/>
+                      </a:solidFill>
+                      <a:prstDash val="solid"/>
+                      <a:round/>
+                      <a:headEnd len="sm" w="sm" type="none"/>
+                      <a:tailEnd len="sm" w="sm" type="none"/>
+                    </a:lnT>
+                    <a:lnB cap="flat" cmpd="sng" w="9525">
+                      <a:solidFill>
+                        <a:srgbClr val="9E9E9E"/>
+                      </a:solidFill>
+                      <a:prstDash val="solid"/>
+                      <a:round/>
+                      <a:headEnd len="sm" w="sm" type="none"/>
+                      <a:tailEnd len="sm" w="sm" type="none"/>
+                    </a:lnB>
+                  </a:tcPr>
+                </a:tc>
+                <a:tc>
+                  <a:txBody>
+                    <a:bodyPr/>
+                    <a:lstStyle/>
+                    <a:p>
+                      <a:pPr indent="0" lvl="0" marL="0" rtl="0" algn="l">
+                        <a:spcBef>
+                          <a:spcPts val="0"/>
+                        </a:spcBef>
+                        <a:spcAft>
+                          <a:spcPts val="0"/>
+                        </a:spcAft>
+                        <a:buNone/>
+                      </a:pPr>
+                      <a:r>
+                        <a:rPr lang="en"/>
+                        <a:t>11</a:t>
+                      </a:r>
+                      <a:endParaRPr/>
+                    </a:p>
+                  </a:txBody>
+                  <a:tcPr marT="91425" marB="91425" marR="91425" marL="91425">
+                    <a:lnL cap="flat" cmpd="sng" w="9525">
+                      <a:solidFill>
+                        <a:srgbClr val="9E9E9E"/>
+                      </a:solidFill>
+                      <a:prstDash val="solid"/>
+                      <a:round/>
+                      <a:headEnd len="sm" w="sm" type="none"/>
+                      <a:tailEnd len="sm" w="sm" type="none"/>
+                    </a:lnL>
+                    <a:lnR cap="flat" cmpd="sng" w="9525">
+                      <a:solidFill>
+                        <a:srgbClr val="9E9E9E"/>
+                      </a:solidFill>
+                      <a:prstDash val="solid"/>
+                      <a:round/>
+                      <a:headEnd len="sm" w="sm" type="none"/>
+                      <a:tailEnd len="sm" w="sm" type="none"/>
+                    </a:lnR>
+                    <a:lnT cap="flat" cmpd="sng" w="9525">
+                      <a:solidFill>
+                        <a:srgbClr val="9E9E9E"/>
+                      </a:solidFill>
+                      <a:prstDash val="solid"/>
+                      <a:round/>
+                      <a:headEnd len="sm" w="sm" type="none"/>
+                      <a:tailEnd len="sm" w="sm" type="none"/>
+                    </a:lnT>
+                    <a:lnB cap="flat" cmpd="sng" w="9525">
+                      <a:solidFill>
+                        <a:srgbClr val="9E9E9E"/>
+                      </a:solidFill>
+                      <a:prstDash val="solid"/>
+                      <a:round/>
+                      <a:headEnd len="sm" w="sm" type="none"/>
+                      <a:tailEnd len="sm" w="sm" type="none"/>
+                    </a:lnB>
+                  </a:tcPr>
+                </a:tc>
+              </a:tr>
+            </a:tbl>
+          </a:graphicData>
+        </a:graphic>
+      </p:graphicFrame>
+      <p:sp>
+        <p:nvSpPr>
+          <p:cNvPr id="181" name="Google Shape;181;p28"/>
+          <p:cNvSpPr txBox="1"/>
+          <p:nvPr/>
+        </p:nvSpPr>
+        <p:spPr>
+          <a:xfrm>
+            <a:off x="148900" y="3381825"/>
+            <a:ext cx="4285200" cy="1338600"/>
+          </a:xfrm>
+          <a:prstGeom prst="rect">
+            <a:avLst/>
+          </a:prstGeom>
+          <a:noFill/>
+          <a:ln>
+            <a:noFill/>
+          </a:ln>
+        </p:spPr>
+        <p:txBody>
+          <a:bodyPr anchorCtr="0" anchor="t" bIns="91425" lIns="91425" spcFirstLastPara="1" rIns="91425" wrap="square" tIns="91425">
+            <a:noAutofit/>
+          </a:bodyPr>
+          <a:lstStyle/>
+          <a:p>
+            <a:pPr indent="-317500" lvl="0" marL="457200" rtl="0" algn="l">
+              <a:spcBef>
+                <a:spcPts val="0"/>
+              </a:spcBef>
+              <a:spcAft>
+                <a:spcPts val="0"/>
+              </a:spcAft>
+              <a:buSzPts val="1400"/>
+              <a:buFont typeface="Lato"/>
+              <a:buChar char="●"/>
+            </a:pPr>
+            <a:r>
+              <a:rPr lang="en">
+                <a:latin typeface="Lato"/>
+                <a:ea typeface="Lato"/>
+                <a:cs typeface="Lato"/>
+                <a:sym typeface="Lato"/>
+              </a:rPr>
+              <a:t>Advantages? </a:t>
+            </a:r>
+            <a:endParaRPr>
+              <a:latin typeface="Lato"/>
+              <a:ea typeface="Lato"/>
+              <a:cs typeface="Lato"/>
+              <a:sym typeface="Lato"/>
+            </a:endParaRPr>
+          </a:p>
+          <a:p>
+            <a:pPr indent="-317500" lvl="0" marL="457200" rtl="0" algn="l">
+              <a:spcBef>
+                <a:spcPts val="0"/>
+              </a:spcBef>
+              <a:spcAft>
+                <a:spcPts val="0"/>
+              </a:spcAft>
+              <a:buSzPts val="1400"/>
+              <a:buFont typeface="Lato"/>
+              <a:buChar char="●"/>
+            </a:pPr>
+            <a:r>
+              <a:rPr lang="en">
+                <a:latin typeface="Lato"/>
+                <a:ea typeface="Lato"/>
+                <a:cs typeface="Lato"/>
+                <a:sym typeface="Lato"/>
+              </a:rPr>
+              <a:t>Disadvantages?</a:t>
+            </a:r>
+            <a:endParaRPr>
+              <a:latin typeface="Lato"/>
+              <a:ea typeface="Lato"/>
+              <a:cs typeface="Lato"/>
+              <a:sym typeface="Lato"/>
+            </a:endParaRPr>
+          </a:p>
+          <a:p>
+            <a:pPr indent="-317500" lvl="0" marL="457200" rtl="0" algn="l">
+              <a:spcBef>
+                <a:spcPts val="0"/>
+              </a:spcBef>
+              <a:spcAft>
+                <a:spcPts val="0"/>
+              </a:spcAft>
+              <a:buSzPts val="1400"/>
+              <a:buFont typeface="Lato"/>
+              <a:buChar char="●"/>
+            </a:pPr>
+            <a:r>
+              <a:rPr lang="en">
+                <a:latin typeface="Lato"/>
+                <a:ea typeface="Lato"/>
+                <a:cs typeface="Lato"/>
+                <a:sym typeface="Lato"/>
+              </a:rPr>
+              <a:t>Workarounds?</a:t>
+            </a:r>
+            <a:endParaRPr>
+              <a:latin typeface="Lato"/>
+              <a:ea typeface="Lato"/>
+              <a:cs typeface="Lato"/>
+              <a:sym typeface="Lato"/>
+            </a:endParaRPr>
+          </a:p>
+          <a:p>
+            <a:pPr indent="-317500" lvl="1" marL="914400" rtl="0" algn="l">
+              <a:spcBef>
+                <a:spcPts val="0"/>
+              </a:spcBef>
+              <a:spcAft>
+                <a:spcPts val="0"/>
+              </a:spcAft>
+              <a:buSzPts val="1400"/>
+              <a:buFont typeface="Lato"/>
+              <a:buChar char="○"/>
+            </a:pPr>
+            <a:r>
+              <a:rPr lang="en">
+                <a:latin typeface="Lato"/>
+                <a:ea typeface="Lato"/>
+                <a:cs typeface="Lato"/>
+                <a:sym typeface="Lato"/>
+              </a:rPr>
+              <a:t>Keys</a:t>
+            </a:r>
+            <a:endParaRPr>
+              <a:latin typeface="Lato"/>
+              <a:ea typeface="Lato"/>
+              <a:cs typeface="Lato"/>
+              <a:sym typeface="Lato"/>
+            </a:endParaRPr>
+          </a:p>
+          <a:p>
+            <a:pPr indent="-317500" lvl="0" marL="457200" rtl="0" algn="l">
+              <a:spcBef>
+                <a:spcPts val="0"/>
+              </a:spcBef>
+              <a:spcAft>
+                <a:spcPts val="0"/>
+              </a:spcAft>
+              <a:buSzPts val="1400"/>
+              <a:buFont typeface="Lato"/>
+              <a:buChar char="●"/>
+            </a:pPr>
+            <a:r>
+              <a:rPr lang="en">
+                <a:latin typeface="Lato"/>
+                <a:ea typeface="Lato"/>
+                <a:cs typeface="Lato"/>
+                <a:sym typeface="Lato"/>
+              </a:rPr>
+              <a:t>Time series</a:t>
+            </a:r>
+            <a:endParaRPr>
+              <a:latin typeface="Lato"/>
+              <a:ea typeface="Lato"/>
+              <a:cs typeface="Lato"/>
+              <a:sym typeface="Lato"/>
+            </a:endParaRPr>
+          </a:p>
+        </p:txBody>
+      </p:sp>
+    </p:spTree>
+  </p:cSld>
+  <p:clrMapOvr>
+    <a:masterClrMapping/>
+  </p:clrMapOvr>
+</p:sld>
+</file>
+
+<file path=ppt/slides/slide17.xml><?xml version="1.0" encoding="utf-8"?>
+<p:sld xmlns:a="http://schemas.openxmlformats.org/drawingml/2006/main" xmlns:r="http://schemas.openxmlformats.org/officeDocument/2006/relationships" xmlns:mc="http://schemas.openxmlformats.org/markup-compatibility/2006" xmlns:mv="urn:schemas-microsoft-com:mac:vml" xmlns:p="http://schemas.openxmlformats.org/presentationml/2006/main" xmlns:c="http://schemas.openxmlformats.org/drawingml/2006/chart" xmlns:dgm="http://schemas.openxmlformats.org/drawingml/2006/diagram" xmlns:o="urn:schemas-microsoft-com:office:office" xmlns:v="urn:schemas-microsoft-com:vml" xmlns:pvml="urn:schemas-microsoft-com:office:powerpoint" xmlns:com="http://schemas.openxmlformats.org/drawingml/2006/compatibility" xmlns:p14="http://schemas.microsoft.com/office/powerpoint/2010/main" xmlns:p15="http://schemas.microsoft.com/office/powerpoint/2012/main">
+  <p:cSld>
+    <p:spTree>
+      <p:nvGrpSpPr>
+        <p:cNvPr id="185" name="Shape 185"/>
+        <p:cNvGrpSpPr/>
+        <p:nvPr/>
+      </p:nvGrpSpPr>
+      <p:grpSpPr>
+        <a:xfrm>
+          <a:off x="0" y="0"/>
+          <a:ext cx="0" cy="0"/>
+          <a:chOff x="0" y="0"/>
+          <a:chExt cx="0" cy="0"/>
+        </a:xfrm>
+      </p:grpSpPr>
+      <p:sp>
+        <p:nvSpPr>
+          <p:cNvPr id="186" name="Google Shape;186;p29"/>
+          <p:cNvSpPr txBox="1"/>
+          <p:nvPr>
+            <p:ph type="title"/>
+          </p:nvPr>
+        </p:nvSpPr>
+        <p:spPr>
+          <a:xfrm>
+            <a:off x="729450" y="1318650"/>
             <a:ext cx="7688700" cy="535200"/>
           </a:xfrm>
           <a:prstGeom prst="rect">
@@ -10254,7 +12430,7 @@
             </a:pPr>
             <a:r>
               <a:rPr lang="en"/>
-              <a:t>Hands on part 3!</a:t>
+              <a:t>Visualization</a:t>
             </a:r>
             <a:endParaRPr/>
           </a:p>
@@ -10262,7 +12438,270 @@
       </p:sp>
       <p:sp>
         <p:nvSpPr>
-          <p:cNvPr id="179" name="Google Shape;179;p28"/>
+          <p:cNvPr id="187" name="Google Shape;187;p29"/>
+          <p:cNvSpPr txBox="1"/>
+          <p:nvPr>
+            <p:ph idx="1" type="body"/>
+          </p:nvPr>
+        </p:nvSpPr>
+        <p:spPr>
+          <a:xfrm>
+            <a:off x="729450" y="2078875"/>
+            <a:ext cx="7688700" cy="2887800"/>
+          </a:xfrm>
+          <a:prstGeom prst="rect">
+            <a:avLst/>
+          </a:prstGeom>
+        </p:spPr>
+        <p:txBody>
+          <a:bodyPr anchorCtr="0" anchor="t" bIns="91425" lIns="91425" spcFirstLastPara="1" rIns="91425" wrap="square" tIns="91425">
+            <a:noAutofit/>
+          </a:bodyPr>
+          <a:lstStyle/>
+          <a:p>
+            <a:pPr indent="-311150" lvl="0" marL="457200" rtl="0" algn="l">
+              <a:spcBef>
+                <a:spcPts val="0"/>
+              </a:spcBef>
+              <a:spcAft>
+                <a:spcPts val="0"/>
+              </a:spcAft>
+              <a:buSzPts val="1300"/>
+              <a:buChar char="●"/>
+            </a:pPr>
+            <a:r>
+              <a:rPr lang="en"/>
+              <a:t>If you can’t communicate what you did, does it matter?</a:t>
+            </a:r>
+            <a:endParaRPr/>
+          </a:p>
+          <a:p>
+            <a:pPr indent="-298450" lvl="1" marL="914400" rtl="0" algn="l">
+              <a:spcBef>
+                <a:spcPts val="0"/>
+              </a:spcBef>
+              <a:spcAft>
+                <a:spcPts val="0"/>
+              </a:spcAft>
+              <a:buSzPts val="1100"/>
+              <a:buChar char="○"/>
+            </a:pPr>
+            <a:r>
+              <a:rPr lang="en"/>
+              <a:t>The answer is no.</a:t>
+            </a:r>
+            <a:endParaRPr/>
+          </a:p>
+          <a:p>
+            <a:pPr indent="-298450" lvl="1" marL="914400" rtl="0" algn="l">
+              <a:spcBef>
+                <a:spcPts val="0"/>
+              </a:spcBef>
+              <a:spcAft>
+                <a:spcPts val="0"/>
+              </a:spcAft>
+              <a:buSzPts val="1100"/>
+              <a:buChar char="○"/>
+            </a:pPr>
+            <a:r>
+              <a:rPr lang="en"/>
+              <a:t>And the more complicated what you’re doing is...</a:t>
+            </a:r>
+            <a:endParaRPr/>
+          </a:p>
+          <a:p>
+            <a:pPr indent="-311150" lvl="0" marL="457200" rtl="0" algn="l">
+              <a:spcBef>
+                <a:spcPts val="0"/>
+              </a:spcBef>
+              <a:spcAft>
+                <a:spcPts val="0"/>
+              </a:spcAft>
+              <a:buSzPts val="1300"/>
+              <a:buChar char="●"/>
+            </a:pPr>
+            <a:r>
+              <a:rPr lang="en"/>
+              <a:t>Most of communication happens through summary</a:t>
+            </a:r>
+            <a:endParaRPr/>
+          </a:p>
+          <a:p>
+            <a:pPr indent="-298450" lvl="1" marL="914400" rtl="0" algn="l">
+              <a:spcBef>
+                <a:spcPts val="0"/>
+              </a:spcBef>
+              <a:spcAft>
+                <a:spcPts val="0"/>
+              </a:spcAft>
+              <a:buSzPts val="1100"/>
+              <a:buChar char="○"/>
+            </a:pPr>
+            <a:r>
+              <a:rPr lang="en"/>
+              <a:t>People have short attention spans</a:t>
+            </a:r>
+            <a:endParaRPr/>
+          </a:p>
+          <a:p>
+            <a:pPr indent="-298450" lvl="2" marL="1371600" rtl="0" algn="l">
+              <a:spcBef>
+                <a:spcPts val="0"/>
+              </a:spcBef>
+              <a:spcAft>
+                <a:spcPts val="0"/>
+              </a:spcAft>
+              <a:buSzPts val="1100"/>
+              <a:buChar char="■"/>
+            </a:pPr>
+            <a:r>
+              <a:rPr lang="en"/>
+              <a:t>And limited time</a:t>
+            </a:r>
+            <a:endParaRPr/>
+          </a:p>
+          <a:p>
+            <a:pPr indent="-298450" lvl="1" marL="914400" rtl="0" algn="l">
+              <a:spcBef>
+                <a:spcPts val="0"/>
+              </a:spcBef>
+              <a:spcAft>
+                <a:spcPts val="0"/>
+              </a:spcAft>
+              <a:buSzPts val="1100"/>
+              <a:buChar char="○"/>
+            </a:pPr>
+            <a:r>
+              <a:rPr lang="en"/>
+              <a:t> They also </a:t>
+            </a:r>
+            <a:r>
+              <a:rPr lang="en"/>
+              <a:t>don’t know the things that you know</a:t>
+            </a:r>
+            <a:endParaRPr/>
+          </a:p>
+          <a:p>
+            <a:pPr indent="-311150" lvl="0" marL="457200" rtl="0" algn="l">
+              <a:spcBef>
+                <a:spcPts val="0"/>
+              </a:spcBef>
+              <a:spcAft>
+                <a:spcPts val="0"/>
+              </a:spcAft>
+              <a:buSzPts val="1300"/>
+              <a:buChar char="●"/>
+            </a:pPr>
+            <a:r>
+              <a:rPr lang="en"/>
+              <a:t>Visual communication is generally more powerful than written communication</a:t>
+            </a:r>
+            <a:endParaRPr/>
+          </a:p>
+          <a:p>
+            <a:pPr indent="-298450" lvl="1" marL="914400" rtl="0" algn="l">
+              <a:spcBef>
+                <a:spcPts val="0"/>
+              </a:spcBef>
+              <a:spcAft>
+                <a:spcPts val="0"/>
+              </a:spcAft>
+              <a:buSzPts val="1100"/>
+              <a:buChar char="○"/>
+            </a:pPr>
+            <a:r>
+              <a:rPr lang="en"/>
+              <a:t>Figures are frequently the highlights of papers</a:t>
+            </a:r>
+            <a:endParaRPr/>
+          </a:p>
+          <a:p>
+            <a:pPr indent="-311150" lvl="0" marL="457200" rtl="0" algn="l">
+              <a:spcBef>
+                <a:spcPts val="0"/>
+              </a:spcBef>
+              <a:spcAft>
+                <a:spcPts val="0"/>
+              </a:spcAft>
+              <a:buSzPts val="1300"/>
+              <a:buChar char="●"/>
+            </a:pPr>
+            <a:r>
+              <a:rPr lang="en"/>
+              <a:t>Nowhere is data design more important than in visualization</a:t>
+            </a:r>
+            <a:endParaRPr/>
+          </a:p>
+        </p:txBody>
+      </p:sp>
+    </p:spTree>
+  </p:cSld>
+  <p:clrMapOvr>
+    <a:masterClrMapping/>
+  </p:clrMapOvr>
+</p:sld>
+</file>
+
+<file path=ppt/slides/slide18.xml><?xml version="1.0" encoding="utf-8"?>
+<p:sld xmlns:a="http://schemas.openxmlformats.org/drawingml/2006/main" xmlns:r="http://schemas.openxmlformats.org/officeDocument/2006/relationships" xmlns:mc="http://schemas.openxmlformats.org/markup-compatibility/2006" xmlns:mv="urn:schemas-microsoft-com:mac:vml" xmlns:p="http://schemas.openxmlformats.org/presentationml/2006/main" xmlns:c="http://schemas.openxmlformats.org/drawingml/2006/chart" xmlns:dgm="http://schemas.openxmlformats.org/drawingml/2006/diagram" xmlns:o="urn:schemas-microsoft-com:office:office" xmlns:v="urn:schemas-microsoft-com:vml" xmlns:pvml="urn:schemas-microsoft-com:office:powerpoint" xmlns:com="http://schemas.openxmlformats.org/drawingml/2006/compatibility" xmlns:p14="http://schemas.microsoft.com/office/powerpoint/2010/main" xmlns:p15="http://schemas.microsoft.com/office/powerpoint/2012/main">
+  <p:cSld>
+    <p:spTree>
+      <p:nvGrpSpPr>
+        <p:cNvPr id="191" name="Shape 191"/>
+        <p:cNvGrpSpPr/>
+        <p:nvPr/>
+      </p:nvGrpSpPr>
+      <p:grpSpPr>
+        <a:xfrm>
+          <a:off x="0" y="0"/>
+          <a:ext cx="0" cy="0"/>
+          <a:chOff x="0" y="0"/>
+          <a:chExt cx="0" cy="0"/>
+        </a:xfrm>
+      </p:grpSpPr>
+      <p:sp>
+        <p:nvSpPr>
+          <p:cNvPr id="192" name="Google Shape;192;p30"/>
+          <p:cNvSpPr txBox="1"/>
+          <p:nvPr>
+            <p:ph type="title"/>
+          </p:nvPr>
+        </p:nvSpPr>
+        <p:spPr>
+          <a:xfrm>
+            <a:off x="729450" y="1318650"/>
+            <a:ext cx="7688700" cy="535200"/>
+          </a:xfrm>
+          <a:prstGeom prst="rect">
+            <a:avLst/>
+          </a:prstGeom>
+        </p:spPr>
+        <p:txBody>
+          <a:bodyPr anchorCtr="0" anchor="t" bIns="91425" lIns="91425" spcFirstLastPara="1" rIns="91425" wrap="square" tIns="91425">
+            <a:noAutofit/>
+          </a:bodyPr>
+          <a:lstStyle/>
+          <a:p>
+            <a:pPr indent="0" lvl="0" marL="0" rtl="0" algn="l">
+              <a:spcBef>
+                <a:spcPts val="0"/>
+              </a:spcBef>
+              <a:spcAft>
+                <a:spcPts val="0"/>
+              </a:spcAft>
+              <a:buNone/>
+            </a:pPr>
+            <a:r>
+              <a:rPr lang="en"/>
+              <a:t>Hands on part 3!</a:t>
+            </a:r>
+            <a:endParaRPr/>
+          </a:p>
+        </p:txBody>
+      </p:sp>
+      <p:sp>
+        <p:nvSpPr>
+          <p:cNvPr id="193" name="Google Shape;193;p30"/>
           <p:cNvSpPr txBox="1"/>
           <p:nvPr>
             <p:ph idx="1" type="body"/>
